--- a/디자인/최건_ppt.pptx
+++ b/디자인/최건_ppt.pptx
@@ -2972,56 +2972,6 @@
       </p:grpSpPr>
       <p:sp>
         <p:nvSpPr>
-          <p:cNvPr id="184" name="직사각형 183"/>
-          <p:cNvSpPr/>
-          <p:nvPr/>
-        </p:nvSpPr>
-        <p:spPr>
-          <a:xfrm>
-            <a:off x="9508902" y="302987"/>
-            <a:ext cx="800511" cy="577256"/>
-          </a:xfrm>
-          <a:prstGeom prst="rect">
-            <a:avLst/>
-          </a:prstGeom>
-          <a:solidFill>
-            <a:schemeClr val="bg1">
-              <a:lumMod val="75000"/>
-            </a:schemeClr>
-          </a:solidFill>
-          <a:ln>
-            <a:solidFill>
-              <a:schemeClr val="bg1"/>
-            </a:solidFill>
-          </a:ln>
-        </p:spPr>
-        <p:style>
-          <a:lnRef idx="2">
-            <a:schemeClr val="accent1">
-              <a:shade val="50000"/>
-            </a:schemeClr>
-          </a:lnRef>
-          <a:fillRef idx="1">
-            <a:schemeClr val="accent1"/>
-          </a:fillRef>
-          <a:effectRef idx="0">
-            <a:schemeClr val="accent1"/>
-          </a:effectRef>
-          <a:fontRef idx="minor">
-            <a:schemeClr val="lt1"/>
-          </a:fontRef>
-        </p:style>
-        <p:txBody>
-          <a:bodyPr rtlCol="0" anchor="ctr"/>
-          <a:lstStyle/>
-          <a:p>
-            <a:pPr algn="ctr"/>
-            <a:endParaRPr lang="ko-KR" altLang="en-US"/>
-          </a:p>
-        </p:txBody>
-      </p:sp>
-      <p:sp>
-        <p:nvSpPr>
           <p:cNvPr id="86" name="직사각형 85"/>
           <p:cNvSpPr/>
           <p:nvPr/>
@@ -3040,156 +2990,6 @@
           <a:ln>
             <a:solidFill>
               <a:schemeClr val="tx1"/>
-            </a:solidFill>
-          </a:ln>
-        </p:spPr>
-        <p:style>
-          <a:lnRef idx="2">
-            <a:schemeClr val="accent1">
-              <a:shade val="50000"/>
-            </a:schemeClr>
-          </a:lnRef>
-          <a:fillRef idx="1">
-            <a:schemeClr val="accent1"/>
-          </a:fillRef>
-          <a:effectRef idx="0">
-            <a:schemeClr val="accent1"/>
-          </a:effectRef>
-          <a:fontRef idx="minor">
-            <a:schemeClr val="lt1"/>
-          </a:fontRef>
-        </p:style>
-        <p:txBody>
-          <a:bodyPr rtlCol="0" anchor="ctr"/>
-          <a:lstStyle/>
-          <a:p>
-            <a:pPr algn="ctr"/>
-            <a:endParaRPr lang="ko-KR" altLang="en-US"/>
-          </a:p>
-        </p:txBody>
-      </p:sp>
-      <p:sp>
-        <p:nvSpPr>
-          <p:cNvPr id="31" name="직사각형 30"/>
-          <p:cNvSpPr/>
-          <p:nvPr/>
-        </p:nvSpPr>
-        <p:spPr>
-          <a:xfrm>
-            <a:off x="1131916" y="304800"/>
-            <a:ext cx="1313018" cy="585368"/>
-          </a:xfrm>
-          <a:prstGeom prst="rect">
-            <a:avLst/>
-          </a:prstGeom>
-          <a:solidFill>
-            <a:schemeClr val="bg1">
-              <a:lumMod val="75000"/>
-            </a:schemeClr>
-          </a:solidFill>
-          <a:ln>
-            <a:solidFill>
-              <a:schemeClr val="bg1"/>
-            </a:solidFill>
-          </a:ln>
-        </p:spPr>
-        <p:style>
-          <a:lnRef idx="2">
-            <a:schemeClr val="accent1">
-              <a:shade val="50000"/>
-            </a:schemeClr>
-          </a:lnRef>
-          <a:fillRef idx="1">
-            <a:schemeClr val="accent1"/>
-          </a:fillRef>
-          <a:effectRef idx="0">
-            <a:schemeClr val="accent1"/>
-          </a:effectRef>
-          <a:fontRef idx="minor">
-            <a:schemeClr val="lt1"/>
-          </a:fontRef>
-        </p:style>
-        <p:txBody>
-          <a:bodyPr rtlCol="0" anchor="ctr"/>
-          <a:lstStyle/>
-          <a:p>
-            <a:pPr algn="ctr"/>
-            <a:endParaRPr lang="ko-KR" altLang="en-US"/>
-          </a:p>
-        </p:txBody>
-      </p:sp>
-      <p:sp>
-        <p:nvSpPr>
-          <p:cNvPr id="32" name="직사각형 31"/>
-          <p:cNvSpPr/>
-          <p:nvPr/>
-        </p:nvSpPr>
-        <p:spPr>
-          <a:xfrm>
-            <a:off x="5434525" y="302986"/>
-            <a:ext cx="797901" cy="577256"/>
-          </a:xfrm>
-          <a:prstGeom prst="rect">
-            <a:avLst/>
-          </a:prstGeom>
-          <a:solidFill>
-            <a:schemeClr val="bg1">
-              <a:lumMod val="75000"/>
-            </a:schemeClr>
-          </a:solidFill>
-          <a:ln>
-            <a:solidFill>
-              <a:schemeClr val="bg1"/>
-            </a:solidFill>
-          </a:ln>
-        </p:spPr>
-        <p:style>
-          <a:lnRef idx="2">
-            <a:schemeClr val="accent1">
-              <a:shade val="50000"/>
-            </a:schemeClr>
-          </a:lnRef>
-          <a:fillRef idx="1">
-            <a:schemeClr val="accent1"/>
-          </a:fillRef>
-          <a:effectRef idx="0">
-            <a:schemeClr val="accent1"/>
-          </a:effectRef>
-          <a:fontRef idx="minor">
-            <a:schemeClr val="lt1"/>
-          </a:fontRef>
-        </p:style>
-        <p:txBody>
-          <a:bodyPr rtlCol="0" anchor="ctr"/>
-          <a:lstStyle/>
-          <a:p>
-            <a:pPr algn="ctr"/>
-            <a:endParaRPr lang="ko-KR" altLang="en-US"/>
-          </a:p>
-        </p:txBody>
-      </p:sp>
-      <p:sp>
-        <p:nvSpPr>
-          <p:cNvPr id="33" name="직사각형 32"/>
-          <p:cNvSpPr/>
-          <p:nvPr/>
-        </p:nvSpPr>
-        <p:spPr>
-          <a:xfrm>
-            <a:off x="7230534" y="302277"/>
-            <a:ext cx="886680" cy="291751"/>
-          </a:xfrm>
-          <a:prstGeom prst="rect">
-            <a:avLst/>
-          </a:prstGeom>
-          <a:solidFill>
-            <a:schemeClr val="bg1">
-              <a:lumMod val="75000"/>
-            </a:schemeClr>
-          </a:solidFill>
-          <a:ln>
-            <a:solidFill>
-              <a:schemeClr val="bg1"/>
             </a:solidFill>
           </a:ln>
         </p:spPr>
@@ -3448,52 +3248,6 @@
       </p:sp>
       <p:sp>
         <p:nvSpPr>
-          <p:cNvPr id="21" name="직사각형 20"/>
-          <p:cNvSpPr/>
-          <p:nvPr/>
-        </p:nvSpPr>
-        <p:spPr>
-          <a:xfrm>
-            <a:off x="1131916" y="305603"/>
-            <a:ext cx="10780222" cy="575135"/>
-          </a:xfrm>
-          <a:prstGeom prst="rect">
-            <a:avLst/>
-          </a:prstGeom>
-          <a:noFill/>
-          <a:ln>
-            <a:solidFill>
-              <a:schemeClr val="tx1"/>
-            </a:solidFill>
-          </a:ln>
-        </p:spPr>
-        <p:style>
-          <a:lnRef idx="2">
-            <a:schemeClr val="accent1">
-              <a:shade val="50000"/>
-            </a:schemeClr>
-          </a:lnRef>
-          <a:fillRef idx="1">
-            <a:schemeClr val="accent1"/>
-          </a:fillRef>
-          <a:effectRef idx="0">
-            <a:schemeClr val="accent1"/>
-          </a:effectRef>
-          <a:fontRef idx="minor">
-            <a:schemeClr val="lt1"/>
-          </a:fontRef>
-        </p:style>
-        <p:txBody>
-          <a:bodyPr rtlCol="0" anchor="ctr"/>
-          <a:lstStyle/>
-          <a:p>
-            <a:pPr algn="ctr"/>
-            <a:endParaRPr lang="ko-KR" altLang="en-US"/>
-          </a:p>
-        </p:txBody>
-      </p:sp>
-      <p:sp>
-        <p:nvSpPr>
           <p:cNvPr id="28" name="직사각형 27"/>
           <p:cNvSpPr/>
           <p:nvPr/>
@@ -3537,418 +3291,6 @@
           <a:p>
             <a:pPr algn="ctr"/>
             <a:endParaRPr lang="ko-KR" altLang="en-US"/>
-          </a:p>
-        </p:txBody>
-      </p:sp>
-      <p:cxnSp>
-        <p:nvCxnSpPr>
-          <p:cNvPr id="36" name="직선 연결선 35"/>
-          <p:cNvCxnSpPr>
-            <a:stCxn id="21" idx="1"/>
-            <a:endCxn id="21" idx="3"/>
-          </p:cNvCxnSpPr>
-          <p:nvPr/>
-        </p:nvCxnSpPr>
-        <p:spPr>
-          <a:xfrm>
-            <a:off x="1131916" y="593171"/>
-            <a:ext cx="10780222" cy="0"/>
-          </a:xfrm>
-          <a:prstGeom prst="line">
-            <a:avLst/>
-          </a:prstGeom>
-          <a:ln w="12700">
-            <a:solidFill>
-              <a:schemeClr val="tx1"/>
-            </a:solidFill>
-          </a:ln>
-        </p:spPr>
-        <p:style>
-          <a:lnRef idx="1">
-            <a:schemeClr val="accent1"/>
-          </a:lnRef>
-          <a:fillRef idx="0">
-            <a:schemeClr val="accent1"/>
-          </a:fillRef>
-          <a:effectRef idx="0">
-            <a:schemeClr val="accent1"/>
-          </a:effectRef>
-          <a:fontRef idx="minor">
-            <a:schemeClr val="tx1"/>
-          </a:fontRef>
-        </p:style>
-      </p:cxnSp>
-      <p:sp>
-        <p:nvSpPr>
-          <p:cNvPr id="37" name="TextBox 36"/>
-          <p:cNvSpPr txBox="1"/>
-          <p:nvPr/>
-        </p:nvSpPr>
-        <p:spPr>
-          <a:xfrm>
-            <a:off x="1442257" y="347753"/>
-            <a:ext cx="861576" cy="246221"/>
-          </a:xfrm>
-          <a:prstGeom prst="rect">
-            <a:avLst/>
-          </a:prstGeom>
-          <a:noFill/>
-        </p:spPr>
-        <p:txBody>
-          <a:bodyPr wrap="square" rtlCol="0">
-            <a:spAutoFit/>
-          </a:bodyPr>
-          <a:lstStyle/>
-          <a:p>
-            <a:r>
-              <a:rPr lang="ko-KR" altLang="en-US" sz="1000" dirty="0" smtClean="0"/>
-              <a:t>페이지 명</a:t>
-            </a:r>
-            <a:endParaRPr lang="ko-KR" altLang="en-US" sz="1000" dirty="0"/>
-          </a:p>
-        </p:txBody>
-      </p:sp>
-      <p:sp>
-        <p:nvSpPr>
-          <p:cNvPr id="38" name="TextBox 37"/>
-          <p:cNvSpPr txBox="1"/>
-          <p:nvPr/>
-        </p:nvSpPr>
-        <p:spPr>
-          <a:xfrm>
-            <a:off x="1442257" y="617910"/>
-            <a:ext cx="861576" cy="246221"/>
-          </a:xfrm>
-          <a:prstGeom prst="rect">
-            <a:avLst/>
-          </a:prstGeom>
-          <a:noFill/>
-        </p:spPr>
-        <p:txBody>
-          <a:bodyPr wrap="square" rtlCol="0">
-            <a:spAutoFit/>
-          </a:bodyPr>
-          <a:lstStyle/>
-          <a:p>
-            <a:r>
-              <a:rPr lang="ko-KR" altLang="en-US" sz="1000" dirty="0" err="1" smtClean="0"/>
-              <a:t>화면경로</a:t>
-            </a:r>
-            <a:endParaRPr lang="ko-KR" altLang="en-US" sz="1000" dirty="0"/>
-          </a:p>
-        </p:txBody>
-      </p:sp>
-      <p:sp>
-        <p:nvSpPr>
-          <p:cNvPr id="39" name="TextBox 38"/>
-          <p:cNvSpPr txBox="1"/>
-          <p:nvPr/>
-        </p:nvSpPr>
-        <p:spPr>
-          <a:xfrm>
-            <a:off x="5487267" y="625040"/>
-            <a:ext cx="695026" cy="246221"/>
-          </a:xfrm>
-          <a:prstGeom prst="rect">
-            <a:avLst/>
-          </a:prstGeom>
-          <a:noFill/>
-        </p:spPr>
-        <p:txBody>
-          <a:bodyPr wrap="square" rtlCol="0">
-            <a:spAutoFit/>
-          </a:bodyPr>
-          <a:lstStyle/>
-          <a:p>
-            <a:r>
-              <a:rPr lang="ko-KR" altLang="en-US" sz="1000" dirty="0" err="1" smtClean="0"/>
-              <a:t>화면코드</a:t>
-            </a:r>
-            <a:endParaRPr lang="ko-KR" altLang="en-US" sz="1000" dirty="0"/>
-          </a:p>
-        </p:txBody>
-      </p:sp>
-      <p:sp>
-        <p:nvSpPr>
-          <p:cNvPr id="41" name="TextBox 40"/>
-          <p:cNvSpPr txBox="1"/>
-          <p:nvPr/>
-        </p:nvSpPr>
-        <p:spPr>
-          <a:xfrm>
-            <a:off x="7381663" y="325172"/>
-            <a:ext cx="609834" cy="246221"/>
-          </a:xfrm>
-          <a:prstGeom prst="rect">
-            <a:avLst/>
-          </a:prstGeom>
-          <a:noFill/>
-        </p:spPr>
-        <p:txBody>
-          <a:bodyPr wrap="square" rtlCol="0">
-            <a:spAutoFit/>
-          </a:bodyPr>
-          <a:lstStyle/>
-          <a:p>
-            <a:r>
-              <a:rPr lang="ko-KR" altLang="en-US" sz="1000" dirty="0" smtClean="0"/>
-              <a:t>작성자</a:t>
-            </a:r>
-            <a:endParaRPr lang="ko-KR" altLang="en-US" sz="1000" dirty="0"/>
-          </a:p>
-        </p:txBody>
-      </p:sp>
-      <p:sp>
-        <p:nvSpPr>
-          <p:cNvPr id="42" name="TextBox 41"/>
-          <p:cNvSpPr txBox="1"/>
-          <p:nvPr/>
-        </p:nvSpPr>
-        <p:spPr>
-          <a:xfrm>
-            <a:off x="9647995" y="325177"/>
-            <a:ext cx="571269" cy="246221"/>
-          </a:xfrm>
-          <a:prstGeom prst="rect">
-            <a:avLst/>
-          </a:prstGeom>
-          <a:noFill/>
-        </p:spPr>
-        <p:txBody>
-          <a:bodyPr wrap="square" rtlCol="0">
-            <a:spAutoFit/>
-          </a:bodyPr>
-          <a:lstStyle/>
-          <a:p>
-            <a:r>
-              <a:rPr lang="ko-KR" altLang="en-US" sz="1000" dirty="0" smtClean="0"/>
-              <a:t>작성일</a:t>
-            </a:r>
-            <a:endParaRPr lang="ko-KR" altLang="en-US" sz="1000" dirty="0"/>
-          </a:p>
-        </p:txBody>
-      </p:sp>
-      <p:sp>
-        <p:nvSpPr>
-          <p:cNvPr id="44" name="TextBox 43"/>
-          <p:cNvSpPr txBox="1"/>
-          <p:nvPr/>
-        </p:nvSpPr>
-        <p:spPr>
-          <a:xfrm>
-            <a:off x="5493675" y="347018"/>
-            <a:ext cx="688618" cy="246221"/>
-          </a:xfrm>
-          <a:prstGeom prst="rect">
-            <a:avLst/>
-          </a:prstGeom>
-          <a:noFill/>
-        </p:spPr>
-        <p:txBody>
-          <a:bodyPr wrap="square" rtlCol="0">
-            <a:spAutoFit/>
-          </a:bodyPr>
-          <a:lstStyle/>
-          <a:p>
-            <a:pPr algn="ctr"/>
-            <a:r>
-              <a:rPr lang="ko-KR" altLang="en-US" sz="1000" dirty="0" smtClean="0"/>
-              <a:t>버전</a:t>
-            </a:r>
-            <a:endParaRPr lang="ko-KR" altLang="en-US" sz="1000" dirty="0"/>
-          </a:p>
-        </p:txBody>
-      </p:sp>
-      <p:sp>
-        <p:nvSpPr>
-          <p:cNvPr id="45" name="TextBox 44"/>
-          <p:cNvSpPr txBox="1"/>
-          <p:nvPr/>
-        </p:nvSpPr>
-        <p:spPr>
-          <a:xfrm>
-            <a:off x="9647995" y="621153"/>
-            <a:ext cx="571269" cy="246221"/>
-          </a:xfrm>
-          <a:prstGeom prst="rect">
-            <a:avLst/>
-          </a:prstGeom>
-          <a:noFill/>
-        </p:spPr>
-        <p:txBody>
-          <a:bodyPr wrap="square" rtlCol="0">
-            <a:spAutoFit/>
-          </a:bodyPr>
-          <a:lstStyle/>
-          <a:p>
-            <a:r>
-              <a:rPr lang="ko-KR" altLang="en-US" sz="1000" dirty="0" smtClean="0"/>
-              <a:t>페이지</a:t>
-            </a:r>
-            <a:endParaRPr lang="ko-KR" altLang="en-US" sz="1000" dirty="0"/>
-          </a:p>
-        </p:txBody>
-      </p:sp>
-      <p:sp>
-        <p:nvSpPr>
-          <p:cNvPr id="46" name="TextBox 45"/>
-          <p:cNvSpPr txBox="1"/>
-          <p:nvPr/>
-        </p:nvSpPr>
-        <p:spPr>
-          <a:xfrm>
-            <a:off x="2595641" y="349528"/>
-            <a:ext cx="2712784" cy="246221"/>
-          </a:xfrm>
-          <a:prstGeom prst="rect">
-            <a:avLst/>
-          </a:prstGeom>
-          <a:noFill/>
-        </p:spPr>
-        <p:txBody>
-          <a:bodyPr wrap="square" rtlCol="0">
-            <a:spAutoFit/>
-          </a:bodyPr>
-          <a:lstStyle/>
-          <a:p>
-            <a:pPr algn="ctr"/>
-            <a:r>
-              <a:rPr lang="ko-KR" altLang="en-US" sz="1000" dirty="0" smtClean="0"/>
-              <a:t>모바일 스토리 보드 제작</a:t>
-            </a:r>
-            <a:endParaRPr lang="ko-KR" altLang="en-US" sz="1000" dirty="0"/>
-          </a:p>
-        </p:txBody>
-      </p:sp>
-      <p:sp>
-        <p:nvSpPr>
-          <p:cNvPr id="47" name="TextBox 46"/>
-          <p:cNvSpPr txBox="1"/>
-          <p:nvPr/>
-        </p:nvSpPr>
-        <p:spPr>
-          <a:xfrm>
-            <a:off x="6313739" y="324314"/>
-            <a:ext cx="790696" cy="246221"/>
-          </a:xfrm>
-          <a:prstGeom prst="rect">
-            <a:avLst/>
-          </a:prstGeom>
-          <a:noFill/>
-        </p:spPr>
-        <p:txBody>
-          <a:bodyPr wrap="square" rtlCol="0">
-            <a:spAutoFit/>
-          </a:bodyPr>
-          <a:lstStyle/>
-          <a:p>
-            <a:pPr algn="ctr"/>
-            <a:r>
-              <a:rPr lang="en-US" altLang="ko-KR" sz="1000" dirty="0" smtClean="0"/>
-              <a:t>Ver. 1.1</a:t>
-            </a:r>
-            <a:endParaRPr lang="ko-KR" altLang="en-US" sz="1000" dirty="0"/>
-          </a:p>
-        </p:txBody>
-      </p:sp>
-      <p:sp>
-        <p:nvSpPr>
-          <p:cNvPr id="48" name="TextBox 47"/>
-          <p:cNvSpPr txBox="1"/>
-          <p:nvPr/>
-        </p:nvSpPr>
-        <p:spPr>
-          <a:xfrm>
-            <a:off x="8525358" y="324314"/>
-            <a:ext cx="790696" cy="246221"/>
-          </a:xfrm>
-          <a:prstGeom prst="rect">
-            <a:avLst/>
-          </a:prstGeom>
-          <a:noFill/>
-        </p:spPr>
-        <p:txBody>
-          <a:bodyPr wrap="square" rtlCol="0">
-            <a:spAutoFit/>
-          </a:bodyPr>
-          <a:lstStyle/>
-          <a:p>
-            <a:pPr algn="ctr"/>
-            <a:r>
-              <a:rPr lang="ko-KR" altLang="en-US" sz="1000" b="1" dirty="0" smtClean="0"/>
-              <a:t>최</a:t>
-            </a:r>
-            <a:r>
-              <a:rPr lang="en-US" altLang="ko-KR" sz="1000" b="1" dirty="0" smtClean="0"/>
-              <a:t> </a:t>
-            </a:r>
-            <a:r>
-              <a:rPr lang="ko-KR" altLang="en-US" sz="1000" b="1" dirty="0" smtClean="0"/>
-              <a:t>건</a:t>
-            </a:r>
-            <a:endParaRPr lang="ko-KR" altLang="en-US" sz="1000" b="1" dirty="0"/>
-          </a:p>
-        </p:txBody>
-      </p:sp>
-      <p:sp>
-        <p:nvSpPr>
-          <p:cNvPr id="49" name="TextBox 48"/>
-          <p:cNvSpPr txBox="1"/>
-          <p:nvPr/>
-        </p:nvSpPr>
-        <p:spPr>
-          <a:xfrm>
-            <a:off x="10635876" y="324314"/>
-            <a:ext cx="920947" cy="246221"/>
-          </a:xfrm>
-          <a:prstGeom prst="rect">
-            <a:avLst/>
-          </a:prstGeom>
-          <a:noFill/>
-        </p:spPr>
-        <p:txBody>
-          <a:bodyPr wrap="square" rtlCol="0">
-            <a:spAutoFit/>
-          </a:bodyPr>
-          <a:lstStyle/>
-          <a:p>
-            <a:pPr algn="ctr"/>
-            <a:r>
-              <a:rPr lang="en-US" altLang="ko-KR" sz="1000" dirty="0" smtClean="0"/>
-              <a:t>2023. 10. 04</a:t>
-            </a:r>
-            <a:endParaRPr lang="ko-KR" altLang="en-US" sz="1000" dirty="0"/>
-          </a:p>
-        </p:txBody>
-      </p:sp>
-      <p:sp>
-        <p:nvSpPr>
-          <p:cNvPr id="50" name="TextBox 49"/>
-          <p:cNvSpPr txBox="1"/>
-          <p:nvPr/>
-        </p:nvSpPr>
-        <p:spPr>
-          <a:xfrm>
-            <a:off x="11641667" y="612571"/>
-            <a:ext cx="260784" cy="246221"/>
-          </a:xfrm>
-          <a:prstGeom prst="rect">
-            <a:avLst/>
-          </a:prstGeom>
-          <a:noFill/>
-        </p:spPr>
-        <p:txBody>
-          <a:bodyPr wrap="square" rtlCol="0">
-            <a:spAutoFit/>
-          </a:bodyPr>
-          <a:lstStyle/>
-          <a:p>
-            <a:pPr algn="ctr"/>
-            <a:r>
-              <a:rPr lang="en-US" altLang="ko-KR" sz="1000" dirty="0" smtClean="0"/>
-              <a:t>5</a:t>
-            </a:r>
-            <a:endParaRPr lang="ko-KR" altLang="en-US" sz="1000" dirty="0"/>
           </a:p>
         </p:txBody>
       </p:sp>
@@ -7576,216 +6918,6 @@
           </p:txBody>
         </p:sp>
       </p:grpSp>
-      <p:cxnSp>
-        <p:nvCxnSpPr>
-          <p:cNvPr id="186" name="직선 연결선 185"/>
-          <p:cNvCxnSpPr/>
-          <p:nvPr/>
-        </p:nvCxnSpPr>
-        <p:spPr>
-          <a:xfrm>
-            <a:off x="5434525" y="299754"/>
-            <a:ext cx="0" cy="590414"/>
-          </a:xfrm>
-          <a:prstGeom prst="line">
-            <a:avLst/>
-          </a:prstGeom>
-          <a:ln w="12700">
-            <a:solidFill>
-              <a:schemeClr val="tx1"/>
-            </a:solidFill>
-          </a:ln>
-        </p:spPr>
-        <p:style>
-          <a:lnRef idx="1">
-            <a:schemeClr val="accent1"/>
-          </a:lnRef>
-          <a:fillRef idx="0">
-            <a:schemeClr val="accent1"/>
-          </a:fillRef>
-          <a:effectRef idx="0">
-            <a:schemeClr val="accent1"/>
-          </a:effectRef>
-          <a:fontRef idx="minor">
-            <a:schemeClr val="tx1"/>
-          </a:fontRef>
-        </p:style>
-      </p:cxnSp>
-      <p:cxnSp>
-        <p:nvCxnSpPr>
-          <p:cNvPr id="192" name="직선 연결선 191"/>
-          <p:cNvCxnSpPr/>
-          <p:nvPr/>
-        </p:nvCxnSpPr>
-        <p:spPr>
-          <a:xfrm>
-            <a:off x="6235036" y="299754"/>
-            <a:ext cx="0" cy="590414"/>
-          </a:xfrm>
-          <a:prstGeom prst="line">
-            <a:avLst/>
-          </a:prstGeom>
-          <a:ln w="12700">
-            <a:solidFill>
-              <a:schemeClr val="tx1"/>
-            </a:solidFill>
-          </a:ln>
-        </p:spPr>
-        <p:style>
-          <a:lnRef idx="1">
-            <a:schemeClr val="accent1"/>
-          </a:lnRef>
-          <a:fillRef idx="0">
-            <a:schemeClr val="accent1"/>
-          </a:fillRef>
-          <a:effectRef idx="0">
-            <a:schemeClr val="accent1"/>
-          </a:effectRef>
-          <a:fontRef idx="minor">
-            <a:schemeClr val="tx1"/>
-          </a:fontRef>
-        </p:style>
-      </p:cxnSp>
-      <p:cxnSp>
-        <p:nvCxnSpPr>
-          <p:cNvPr id="193" name="직선 연결선 192"/>
-          <p:cNvCxnSpPr/>
-          <p:nvPr/>
-        </p:nvCxnSpPr>
-        <p:spPr>
-          <a:xfrm>
-            <a:off x="7230534" y="299754"/>
-            <a:ext cx="0" cy="293417"/>
-          </a:xfrm>
-          <a:prstGeom prst="line">
-            <a:avLst/>
-          </a:prstGeom>
-          <a:ln w="12700">
-            <a:solidFill>
-              <a:schemeClr val="tx1"/>
-            </a:solidFill>
-          </a:ln>
-        </p:spPr>
-        <p:style>
-          <a:lnRef idx="1">
-            <a:schemeClr val="accent1"/>
-          </a:lnRef>
-          <a:fillRef idx="0">
-            <a:schemeClr val="accent1"/>
-          </a:fillRef>
-          <a:effectRef idx="0">
-            <a:schemeClr val="accent1"/>
-          </a:effectRef>
-          <a:fontRef idx="minor">
-            <a:schemeClr val="tx1"/>
-          </a:fontRef>
-        </p:style>
-      </p:cxnSp>
-      <p:cxnSp>
-        <p:nvCxnSpPr>
-          <p:cNvPr id="198" name="직선 연결선 197"/>
-          <p:cNvCxnSpPr/>
-          <p:nvPr/>
-        </p:nvCxnSpPr>
-        <p:spPr>
-          <a:xfrm>
-            <a:off x="8117214" y="299754"/>
-            <a:ext cx="0" cy="293417"/>
-          </a:xfrm>
-          <a:prstGeom prst="line">
-            <a:avLst/>
-          </a:prstGeom>
-          <a:ln w="12700">
-            <a:solidFill>
-              <a:schemeClr val="tx1"/>
-            </a:solidFill>
-          </a:ln>
-        </p:spPr>
-        <p:style>
-          <a:lnRef idx="1">
-            <a:schemeClr val="accent1"/>
-          </a:lnRef>
-          <a:fillRef idx="0">
-            <a:schemeClr val="accent1"/>
-          </a:fillRef>
-          <a:effectRef idx="0">
-            <a:schemeClr val="accent1"/>
-          </a:effectRef>
-          <a:fontRef idx="minor">
-            <a:schemeClr val="tx1"/>
-          </a:fontRef>
-        </p:style>
-      </p:cxnSp>
-      <p:cxnSp>
-        <p:nvCxnSpPr>
-          <p:cNvPr id="203" name="직선 연결선 202"/>
-          <p:cNvCxnSpPr/>
-          <p:nvPr/>
-        </p:nvCxnSpPr>
-        <p:spPr>
-          <a:xfrm>
-            <a:off x="2444934" y="299754"/>
-            <a:ext cx="0" cy="590414"/>
-          </a:xfrm>
-          <a:prstGeom prst="line">
-            <a:avLst/>
-          </a:prstGeom>
-          <a:ln w="12700">
-            <a:solidFill>
-              <a:schemeClr val="tx1"/>
-            </a:solidFill>
-          </a:ln>
-        </p:spPr>
-        <p:style>
-          <a:lnRef idx="1">
-            <a:schemeClr val="accent1"/>
-          </a:lnRef>
-          <a:fillRef idx="0">
-            <a:schemeClr val="accent1"/>
-          </a:fillRef>
-          <a:effectRef idx="0">
-            <a:schemeClr val="accent1"/>
-          </a:effectRef>
-          <a:fontRef idx="minor">
-            <a:schemeClr val="tx1"/>
-          </a:fontRef>
-        </p:style>
-      </p:cxnSp>
-      <p:cxnSp>
-        <p:nvCxnSpPr>
-          <p:cNvPr id="204" name="직선 연결선 203"/>
-          <p:cNvCxnSpPr/>
-          <p:nvPr/>
-        </p:nvCxnSpPr>
-        <p:spPr>
-          <a:xfrm>
-            <a:off x="9506583" y="299754"/>
-            <a:ext cx="2319" cy="590414"/>
-          </a:xfrm>
-          <a:prstGeom prst="line">
-            <a:avLst/>
-          </a:prstGeom>
-          <a:ln w="12700">
-            <a:solidFill>
-              <a:schemeClr val="tx1"/>
-            </a:solidFill>
-          </a:ln>
-        </p:spPr>
-        <p:style>
-          <a:lnRef idx="1">
-            <a:schemeClr val="accent1"/>
-          </a:lnRef>
-          <a:fillRef idx="0">
-            <a:schemeClr val="accent1"/>
-          </a:fillRef>
-          <a:effectRef idx="0">
-            <a:schemeClr val="accent1"/>
-          </a:effectRef>
-          <a:fontRef idx="minor">
-            <a:schemeClr val="tx1"/>
-          </a:fontRef>
-        </p:style>
-      </p:cxnSp>
       <p:grpSp>
         <p:nvGrpSpPr>
           <p:cNvPr id="217" name="그룹 216"/>
@@ -7794,10 +6926,10 @@
         </p:nvGrpSpPr>
         <p:grpSpPr>
           <a:xfrm>
-            <a:off x="4030128" y="5662300"/>
-            <a:ext cx="268653" cy="420048"/>
-            <a:chOff x="4047066" y="5759867"/>
-            <a:chExt cx="211667" cy="330948"/>
+            <a:off x="4030128" y="5674015"/>
+            <a:ext cx="268653" cy="408325"/>
+            <a:chOff x="4047066" y="5769103"/>
+            <a:chExt cx="211667" cy="321712"/>
           </a:xfrm>
           <a:solidFill>
             <a:schemeClr val="bg1">
@@ -7857,7 +6989,7 @@
           </p:nvSpPr>
           <p:spPr>
             <a:xfrm>
-              <a:off x="4047067" y="5759867"/>
+              <a:off x="4047067" y="5769103"/>
               <a:ext cx="211666" cy="179364"/>
             </a:xfrm>
             <a:prstGeom prst="ellipse">
@@ -7894,41 +7026,924 @@
           </p:txBody>
         </p:sp>
       </p:grpSp>
-      <p:cxnSp>
-        <p:nvCxnSpPr>
-          <p:cNvPr id="209" name="직선 연결선 208"/>
-          <p:cNvCxnSpPr/>
+      <p:grpSp>
+        <p:nvGrpSpPr>
+          <p:cNvPr id="10" name="그룹 9"/>
+          <p:cNvGrpSpPr/>
           <p:nvPr/>
-        </p:nvCxnSpPr>
-        <p:spPr>
+        </p:nvGrpSpPr>
+        <p:grpSpPr>
           <a:xfrm>
-            <a:off x="10306787" y="317364"/>
-            <a:ext cx="2172" cy="575135"/>
+            <a:off x="1131916" y="299754"/>
+            <a:ext cx="10780222" cy="590414"/>
+            <a:chOff x="1131916" y="299754"/>
+            <a:chExt cx="10780222" cy="590414"/>
           </a:xfrm>
-          <a:prstGeom prst="line">
-            <a:avLst/>
-          </a:prstGeom>
-          <a:ln w="12700">
+        </p:grpSpPr>
+        <p:sp>
+          <p:nvSpPr>
+            <p:cNvPr id="184" name="직사각형 183"/>
+            <p:cNvSpPr/>
+            <p:nvPr/>
+          </p:nvSpPr>
+          <p:spPr>
+            <a:xfrm>
+              <a:off x="9508902" y="302987"/>
+              <a:ext cx="800511" cy="577256"/>
+            </a:xfrm>
+            <a:prstGeom prst="rect">
+              <a:avLst/>
+            </a:prstGeom>
             <a:solidFill>
+              <a:schemeClr val="bg1">
+                <a:lumMod val="75000"/>
+              </a:schemeClr>
+            </a:solidFill>
+            <a:ln>
+              <a:solidFill>
+                <a:schemeClr val="bg1"/>
+              </a:solidFill>
+            </a:ln>
+          </p:spPr>
+          <p:style>
+            <a:lnRef idx="2">
+              <a:schemeClr val="accent1">
+                <a:shade val="50000"/>
+              </a:schemeClr>
+            </a:lnRef>
+            <a:fillRef idx="1">
+              <a:schemeClr val="accent1"/>
+            </a:fillRef>
+            <a:effectRef idx="0">
+              <a:schemeClr val="accent1"/>
+            </a:effectRef>
+            <a:fontRef idx="minor">
+              <a:schemeClr val="lt1"/>
+            </a:fontRef>
+          </p:style>
+          <p:txBody>
+            <a:bodyPr rtlCol="0" anchor="ctr"/>
+            <a:lstStyle/>
+            <a:p>
+              <a:pPr algn="ctr"/>
+              <a:endParaRPr lang="ko-KR" altLang="en-US"/>
+            </a:p>
+          </p:txBody>
+        </p:sp>
+        <p:sp>
+          <p:nvSpPr>
+            <p:cNvPr id="31" name="직사각형 30"/>
+            <p:cNvSpPr/>
+            <p:nvPr/>
+          </p:nvSpPr>
+          <p:spPr>
+            <a:xfrm>
+              <a:off x="1131916" y="304800"/>
+              <a:ext cx="1313018" cy="585368"/>
+            </a:xfrm>
+            <a:prstGeom prst="rect">
+              <a:avLst/>
+            </a:prstGeom>
+            <a:solidFill>
+              <a:schemeClr val="bg1">
+                <a:lumMod val="75000"/>
+              </a:schemeClr>
+            </a:solidFill>
+            <a:ln>
+              <a:solidFill>
+                <a:schemeClr val="bg1"/>
+              </a:solidFill>
+            </a:ln>
+          </p:spPr>
+          <p:style>
+            <a:lnRef idx="2">
+              <a:schemeClr val="accent1">
+                <a:shade val="50000"/>
+              </a:schemeClr>
+            </a:lnRef>
+            <a:fillRef idx="1">
+              <a:schemeClr val="accent1"/>
+            </a:fillRef>
+            <a:effectRef idx="0">
+              <a:schemeClr val="accent1"/>
+            </a:effectRef>
+            <a:fontRef idx="minor">
+              <a:schemeClr val="lt1"/>
+            </a:fontRef>
+          </p:style>
+          <p:txBody>
+            <a:bodyPr rtlCol="0" anchor="ctr"/>
+            <a:lstStyle/>
+            <a:p>
+              <a:pPr algn="ctr"/>
+              <a:endParaRPr lang="ko-KR" altLang="en-US"/>
+            </a:p>
+          </p:txBody>
+        </p:sp>
+        <p:sp>
+          <p:nvSpPr>
+            <p:cNvPr id="32" name="직사각형 31"/>
+            <p:cNvSpPr/>
+            <p:nvPr/>
+          </p:nvSpPr>
+          <p:spPr>
+            <a:xfrm>
+              <a:off x="5434525" y="302986"/>
+              <a:ext cx="797901" cy="577256"/>
+            </a:xfrm>
+            <a:prstGeom prst="rect">
+              <a:avLst/>
+            </a:prstGeom>
+            <a:solidFill>
+              <a:schemeClr val="bg1">
+                <a:lumMod val="75000"/>
+              </a:schemeClr>
+            </a:solidFill>
+            <a:ln>
+              <a:solidFill>
+                <a:schemeClr val="bg1"/>
+              </a:solidFill>
+            </a:ln>
+          </p:spPr>
+          <p:style>
+            <a:lnRef idx="2">
+              <a:schemeClr val="accent1">
+                <a:shade val="50000"/>
+              </a:schemeClr>
+            </a:lnRef>
+            <a:fillRef idx="1">
+              <a:schemeClr val="accent1"/>
+            </a:fillRef>
+            <a:effectRef idx="0">
+              <a:schemeClr val="accent1"/>
+            </a:effectRef>
+            <a:fontRef idx="minor">
+              <a:schemeClr val="lt1"/>
+            </a:fontRef>
+          </p:style>
+          <p:txBody>
+            <a:bodyPr rtlCol="0" anchor="ctr"/>
+            <a:lstStyle/>
+            <a:p>
+              <a:pPr algn="ctr"/>
+              <a:endParaRPr lang="ko-KR" altLang="en-US"/>
+            </a:p>
+          </p:txBody>
+        </p:sp>
+        <p:sp>
+          <p:nvSpPr>
+            <p:cNvPr id="33" name="직사각형 32"/>
+            <p:cNvSpPr/>
+            <p:nvPr/>
+          </p:nvSpPr>
+          <p:spPr>
+            <a:xfrm>
+              <a:off x="7230534" y="302277"/>
+              <a:ext cx="886680" cy="291751"/>
+            </a:xfrm>
+            <a:prstGeom prst="rect">
+              <a:avLst/>
+            </a:prstGeom>
+            <a:solidFill>
+              <a:schemeClr val="bg1">
+                <a:lumMod val="75000"/>
+              </a:schemeClr>
+            </a:solidFill>
+            <a:ln>
+              <a:solidFill>
+                <a:schemeClr val="bg1"/>
+              </a:solidFill>
+            </a:ln>
+          </p:spPr>
+          <p:style>
+            <a:lnRef idx="2">
+              <a:schemeClr val="accent1">
+                <a:shade val="50000"/>
+              </a:schemeClr>
+            </a:lnRef>
+            <a:fillRef idx="1">
+              <a:schemeClr val="accent1"/>
+            </a:fillRef>
+            <a:effectRef idx="0">
+              <a:schemeClr val="accent1"/>
+            </a:effectRef>
+            <a:fontRef idx="minor">
+              <a:schemeClr val="lt1"/>
+            </a:fontRef>
+          </p:style>
+          <p:txBody>
+            <a:bodyPr rtlCol="0" anchor="ctr"/>
+            <a:lstStyle/>
+            <a:p>
+              <a:pPr algn="ctr"/>
+              <a:endParaRPr lang="ko-KR" altLang="en-US"/>
+            </a:p>
+          </p:txBody>
+        </p:sp>
+        <p:sp>
+          <p:nvSpPr>
+            <p:cNvPr id="21" name="직사각형 20"/>
+            <p:cNvSpPr/>
+            <p:nvPr/>
+          </p:nvSpPr>
+          <p:spPr>
+            <a:xfrm>
+              <a:off x="1131916" y="305603"/>
+              <a:ext cx="10780222" cy="575135"/>
+            </a:xfrm>
+            <a:prstGeom prst="rect">
+              <a:avLst/>
+            </a:prstGeom>
+            <a:noFill/>
+            <a:ln>
+              <a:solidFill>
+                <a:schemeClr val="tx1"/>
+              </a:solidFill>
+            </a:ln>
+          </p:spPr>
+          <p:style>
+            <a:lnRef idx="2">
+              <a:schemeClr val="accent1">
+                <a:shade val="50000"/>
+              </a:schemeClr>
+            </a:lnRef>
+            <a:fillRef idx="1">
+              <a:schemeClr val="accent1"/>
+            </a:fillRef>
+            <a:effectRef idx="0">
+              <a:schemeClr val="accent1"/>
+            </a:effectRef>
+            <a:fontRef idx="minor">
+              <a:schemeClr val="lt1"/>
+            </a:fontRef>
+          </p:style>
+          <p:txBody>
+            <a:bodyPr rtlCol="0" anchor="ctr"/>
+            <a:lstStyle/>
+            <a:p>
+              <a:pPr algn="ctr"/>
+              <a:endParaRPr lang="ko-KR" altLang="en-US"/>
+            </a:p>
+          </p:txBody>
+        </p:sp>
+        <p:cxnSp>
+          <p:nvCxnSpPr>
+            <p:cNvPr id="36" name="직선 연결선 35"/>
+            <p:cNvCxnSpPr>
+              <a:stCxn id="21" idx="1"/>
+              <a:endCxn id="21" idx="3"/>
+            </p:cNvCxnSpPr>
+            <p:nvPr/>
+          </p:nvCxnSpPr>
+          <p:spPr>
+            <a:xfrm>
+              <a:off x="1131916" y="593171"/>
+              <a:ext cx="10780222" cy="0"/>
+            </a:xfrm>
+            <a:prstGeom prst="line">
+              <a:avLst/>
+            </a:prstGeom>
+            <a:ln w="12700">
+              <a:solidFill>
+                <a:schemeClr val="tx1"/>
+              </a:solidFill>
+            </a:ln>
+          </p:spPr>
+          <p:style>
+            <a:lnRef idx="1">
+              <a:schemeClr val="accent1"/>
+            </a:lnRef>
+            <a:fillRef idx="0">
+              <a:schemeClr val="accent1"/>
+            </a:fillRef>
+            <a:effectRef idx="0">
+              <a:schemeClr val="accent1"/>
+            </a:effectRef>
+            <a:fontRef idx="minor">
               <a:schemeClr val="tx1"/>
-            </a:solidFill>
-          </a:ln>
-        </p:spPr>
-        <p:style>
-          <a:lnRef idx="1">
-            <a:schemeClr val="accent1"/>
-          </a:lnRef>
-          <a:fillRef idx="0">
-            <a:schemeClr val="accent1"/>
-          </a:fillRef>
-          <a:effectRef idx="0">
-            <a:schemeClr val="accent1"/>
-          </a:effectRef>
-          <a:fontRef idx="minor">
-            <a:schemeClr val="tx1"/>
-          </a:fontRef>
-        </p:style>
-      </p:cxnSp>
+            </a:fontRef>
+          </p:style>
+        </p:cxnSp>
+        <p:sp>
+          <p:nvSpPr>
+            <p:cNvPr id="37" name="TextBox 36"/>
+            <p:cNvSpPr txBox="1"/>
+            <p:nvPr/>
+          </p:nvSpPr>
+          <p:spPr>
+            <a:xfrm>
+              <a:off x="1442257" y="347753"/>
+              <a:ext cx="861576" cy="246221"/>
+            </a:xfrm>
+            <a:prstGeom prst="rect">
+              <a:avLst/>
+            </a:prstGeom>
+            <a:noFill/>
+          </p:spPr>
+          <p:txBody>
+            <a:bodyPr wrap="square" rtlCol="0">
+              <a:spAutoFit/>
+            </a:bodyPr>
+            <a:lstStyle/>
+            <a:p>
+              <a:r>
+                <a:rPr lang="ko-KR" altLang="en-US" sz="1000" dirty="0" smtClean="0"/>
+                <a:t>페이지 명</a:t>
+              </a:r>
+              <a:endParaRPr lang="ko-KR" altLang="en-US" sz="1000" dirty="0"/>
+            </a:p>
+          </p:txBody>
+        </p:sp>
+        <p:sp>
+          <p:nvSpPr>
+            <p:cNvPr id="38" name="TextBox 37"/>
+            <p:cNvSpPr txBox="1"/>
+            <p:nvPr/>
+          </p:nvSpPr>
+          <p:spPr>
+            <a:xfrm>
+              <a:off x="1442257" y="617910"/>
+              <a:ext cx="861576" cy="246221"/>
+            </a:xfrm>
+            <a:prstGeom prst="rect">
+              <a:avLst/>
+            </a:prstGeom>
+            <a:noFill/>
+          </p:spPr>
+          <p:txBody>
+            <a:bodyPr wrap="square" rtlCol="0">
+              <a:spAutoFit/>
+            </a:bodyPr>
+            <a:lstStyle/>
+            <a:p>
+              <a:r>
+                <a:rPr lang="ko-KR" altLang="en-US" sz="1000" dirty="0" err="1" smtClean="0"/>
+                <a:t>화면경로</a:t>
+              </a:r>
+              <a:endParaRPr lang="ko-KR" altLang="en-US" sz="1000" dirty="0"/>
+            </a:p>
+          </p:txBody>
+        </p:sp>
+        <p:sp>
+          <p:nvSpPr>
+            <p:cNvPr id="39" name="TextBox 38"/>
+            <p:cNvSpPr txBox="1"/>
+            <p:nvPr/>
+          </p:nvSpPr>
+          <p:spPr>
+            <a:xfrm>
+              <a:off x="5487267" y="625040"/>
+              <a:ext cx="695026" cy="246221"/>
+            </a:xfrm>
+            <a:prstGeom prst="rect">
+              <a:avLst/>
+            </a:prstGeom>
+            <a:noFill/>
+          </p:spPr>
+          <p:txBody>
+            <a:bodyPr wrap="square" rtlCol="0">
+              <a:spAutoFit/>
+            </a:bodyPr>
+            <a:lstStyle/>
+            <a:p>
+              <a:r>
+                <a:rPr lang="ko-KR" altLang="en-US" sz="1000" dirty="0" err="1" smtClean="0"/>
+                <a:t>화면코드</a:t>
+              </a:r>
+              <a:endParaRPr lang="ko-KR" altLang="en-US" sz="1000" dirty="0"/>
+            </a:p>
+          </p:txBody>
+        </p:sp>
+        <p:sp>
+          <p:nvSpPr>
+            <p:cNvPr id="41" name="TextBox 40"/>
+            <p:cNvSpPr txBox="1"/>
+            <p:nvPr/>
+          </p:nvSpPr>
+          <p:spPr>
+            <a:xfrm>
+              <a:off x="7381663" y="325172"/>
+              <a:ext cx="609834" cy="246221"/>
+            </a:xfrm>
+            <a:prstGeom prst="rect">
+              <a:avLst/>
+            </a:prstGeom>
+            <a:noFill/>
+          </p:spPr>
+          <p:txBody>
+            <a:bodyPr wrap="square" rtlCol="0">
+              <a:spAutoFit/>
+            </a:bodyPr>
+            <a:lstStyle/>
+            <a:p>
+              <a:r>
+                <a:rPr lang="ko-KR" altLang="en-US" sz="1000" dirty="0" smtClean="0"/>
+                <a:t>작성자</a:t>
+              </a:r>
+              <a:endParaRPr lang="ko-KR" altLang="en-US" sz="1000" dirty="0"/>
+            </a:p>
+          </p:txBody>
+        </p:sp>
+        <p:sp>
+          <p:nvSpPr>
+            <p:cNvPr id="42" name="TextBox 41"/>
+            <p:cNvSpPr txBox="1"/>
+            <p:nvPr/>
+          </p:nvSpPr>
+          <p:spPr>
+            <a:xfrm>
+              <a:off x="9647995" y="325177"/>
+              <a:ext cx="571269" cy="246221"/>
+            </a:xfrm>
+            <a:prstGeom prst="rect">
+              <a:avLst/>
+            </a:prstGeom>
+            <a:noFill/>
+          </p:spPr>
+          <p:txBody>
+            <a:bodyPr wrap="square" rtlCol="0">
+              <a:spAutoFit/>
+            </a:bodyPr>
+            <a:lstStyle/>
+            <a:p>
+              <a:r>
+                <a:rPr lang="ko-KR" altLang="en-US" sz="1000" dirty="0" smtClean="0"/>
+                <a:t>작성일</a:t>
+              </a:r>
+              <a:endParaRPr lang="ko-KR" altLang="en-US" sz="1000" dirty="0"/>
+            </a:p>
+          </p:txBody>
+        </p:sp>
+        <p:sp>
+          <p:nvSpPr>
+            <p:cNvPr id="44" name="TextBox 43"/>
+            <p:cNvSpPr txBox="1"/>
+            <p:nvPr/>
+          </p:nvSpPr>
+          <p:spPr>
+            <a:xfrm>
+              <a:off x="5493675" y="347018"/>
+              <a:ext cx="688618" cy="246221"/>
+            </a:xfrm>
+            <a:prstGeom prst="rect">
+              <a:avLst/>
+            </a:prstGeom>
+            <a:noFill/>
+          </p:spPr>
+          <p:txBody>
+            <a:bodyPr wrap="square" rtlCol="0">
+              <a:spAutoFit/>
+            </a:bodyPr>
+            <a:lstStyle/>
+            <a:p>
+              <a:pPr algn="ctr"/>
+              <a:r>
+                <a:rPr lang="ko-KR" altLang="en-US" sz="1000" dirty="0" smtClean="0"/>
+                <a:t>버전</a:t>
+              </a:r>
+              <a:endParaRPr lang="ko-KR" altLang="en-US" sz="1000" dirty="0"/>
+            </a:p>
+          </p:txBody>
+        </p:sp>
+        <p:sp>
+          <p:nvSpPr>
+            <p:cNvPr id="45" name="TextBox 44"/>
+            <p:cNvSpPr txBox="1"/>
+            <p:nvPr/>
+          </p:nvSpPr>
+          <p:spPr>
+            <a:xfrm>
+              <a:off x="9647995" y="621153"/>
+              <a:ext cx="571269" cy="246221"/>
+            </a:xfrm>
+            <a:prstGeom prst="rect">
+              <a:avLst/>
+            </a:prstGeom>
+            <a:noFill/>
+          </p:spPr>
+          <p:txBody>
+            <a:bodyPr wrap="square" rtlCol="0">
+              <a:spAutoFit/>
+            </a:bodyPr>
+            <a:lstStyle/>
+            <a:p>
+              <a:r>
+                <a:rPr lang="ko-KR" altLang="en-US" sz="1000" dirty="0" smtClean="0"/>
+                <a:t>페이지</a:t>
+              </a:r>
+              <a:endParaRPr lang="ko-KR" altLang="en-US" sz="1000" dirty="0"/>
+            </a:p>
+          </p:txBody>
+        </p:sp>
+        <p:sp>
+          <p:nvSpPr>
+            <p:cNvPr id="46" name="TextBox 45"/>
+            <p:cNvSpPr txBox="1"/>
+            <p:nvPr/>
+          </p:nvSpPr>
+          <p:spPr>
+            <a:xfrm>
+              <a:off x="2595641" y="349528"/>
+              <a:ext cx="2712784" cy="246221"/>
+            </a:xfrm>
+            <a:prstGeom prst="rect">
+              <a:avLst/>
+            </a:prstGeom>
+            <a:noFill/>
+          </p:spPr>
+          <p:txBody>
+            <a:bodyPr wrap="square" rtlCol="0">
+              <a:spAutoFit/>
+            </a:bodyPr>
+            <a:lstStyle/>
+            <a:p>
+              <a:pPr algn="ctr"/>
+              <a:r>
+                <a:rPr lang="ko-KR" altLang="en-US" sz="1000" dirty="0" smtClean="0"/>
+                <a:t>모바일 스토리 보드 제작</a:t>
+              </a:r>
+              <a:endParaRPr lang="ko-KR" altLang="en-US" sz="1000" dirty="0"/>
+            </a:p>
+          </p:txBody>
+        </p:sp>
+        <p:sp>
+          <p:nvSpPr>
+            <p:cNvPr id="47" name="TextBox 46"/>
+            <p:cNvSpPr txBox="1"/>
+            <p:nvPr/>
+          </p:nvSpPr>
+          <p:spPr>
+            <a:xfrm>
+              <a:off x="6313739" y="324314"/>
+              <a:ext cx="790696" cy="246221"/>
+            </a:xfrm>
+            <a:prstGeom prst="rect">
+              <a:avLst/>
+            </a:prstGeom>
+            <a:noFill/>
+          </p:spPr>
+          <p:txBody>
+            <a:bodyPr wrap="square" rtlCol="0">
+              <a:spAutoFit/>
+            </a:bodyPr>
+            <a:lstStyle/>
+            <a:p>
+              <a:pPr algn="ctr"/>
+              <a:r>
+                <a:rPr lang="en-US" altLang="ko-KR" sz="1000" dirty="0" smtClean="0"/>
+                <a:t>Ver. 1.1</a:t>
+              </a:r>
+              <a:endParaRPr lang="ko-KR" altLang="en-US" sz="1000" dirty="0"/>
+            </a:p>
+          </p:txBody>
+        </p:sp>
+        <p:sp>
+          <p:nvSpPr>
+            <p:cNvPr id="48" name="TextBox 47"/>
+            <p:cNvSpPr txBox="1"/>
+            <p:nvPr/>
+          </p:nvSpPr>
+          <p:spPr>
+            <a:xfrm>
+              <a:off x="8432732" y="325014"/>
+              <a:ext cx="790696" cy="246221"/>
+            </a:xfrm>
+            <a:prstGeom prst="rect">
+              <a:avLst/>
+            </a:prstGeom>
+            <a:noFill/>
+          </p:spPr>
+          <p:txBody>
+            <a:bodyPr wrap="square" rtlCol="0">
+              <a:spAutoFit/>
+            </a:bodyPr>
+            <a:lstStyle/>
+            <a:p>
+              <a:pPr algn="ctr"/>
+              <a:r>
+                <a:rPr lang="ko-KR" altLang="en-US" sz="1000" b="1" dirty="0" smtClean="0"/>
+                <a:t>최</a:t>
+              </a:r>
+              <a:r>
+                <a:rPr lang="en-US" altLang="ko-KR" sz="1000" b="1" dirty="0" smtClean="0"/>
+                <a:t> </a:t>
+              </a:r>
+              <a:r>
+                <a:rPr lang="ko-KR" altLang="en-US" sz="1000" b="1" dirty="0" smtClean="0"/>
+                <a:t>건</a:t>
+              </a:r>
+              <a:endParaRPr lang="ko-KR" altLang="en-US" sz="1000" b="1" dirty="0"/>
+            </a:p>
+          </p:txBody>
+        </p:sp>
+        <p:sp>
+          <p:nvSpPr>
+            <p:cNvPr id="49" name="TextBox 48"/>
+            <p:cNvSpPr txBox="1"/>
+            <p:nvPr/>
+          </p:nvSpPr>
+          <p:spPr>
+            <a:xfrm>
+              <a:off x="10635876" y="324314"/>
+              <a:ext cx="920947" cy="246221"/>
+            </a:xfrm>
+            <a:prstGeom prst="rect">
+              <a:avLst/>
+            </a:prstGeom>
+            <a:noFill/>
+          </p:spPr>
+          <p:txBody>
+            <a:bodyPr wrap="square" rtlCol="0">
+              <a:spAutoFit/>
+            </a:bodyPr>
+            <a:lstStyle/>
+            <a:p>
+              <a:pPr algn="ctr"/>
+              <a:r>
+                <a:rPr lang="en-US" altLang="ko-KR" sz="1000" dirty="0" smtClean="0"/>
+                <a:t>2023. 10. 04</a:t>
+              </a:r>
+              <a:endParaRPr lang="ko-KR" altLang="en-US" sz="1000" dirty="0"/>
+            </a:p>
+          </p:txBody>
+        </p:sp>
+        <p:sp>
+          <p:nvSpPr>
+            <p:cNvPr id="50" name="TextBox 49"/>
+            <p:cNvSpPr txBox="1"/>
+            <p:nvPr/>
+          </p:nvSpPr>
+          <p:spPr>
+            <a:xfrm>
+              <a:off x="11641667" y="612571"/>
+              <a:ext cx="260784" cy="246221"/>
+            </a:xfrm>
+            <a:prstGeom prst="rect">
+              <a:avLst/>
+            </a:prstGeom>
+            <a:noFill/>
+          </p:spPr>
+          <p:txBody>
+            <a:bodyPr wrap="square" rtlCol="0">
+              <a:spAutoFit/>
+            </a:bodyPr>
+            <a:lstStyle/>
+            <a:p>
+              <a:pPr algn="ctr"/>
+              <a:r>
+                <a:rPr lang="en-US" altLang="ko-KR" sz="1000" dirty="0" smtClean="0"/>
+                <a:t>5</a:t>
+              </a:r>
+              <a:endParaRPr lang="ko-KR" altLang="en-US" sz="1000" dirty="0"/>
+            </a:p>
+          </p:txBody>
+        </p:sp>
+        <p:cxnSp>
+          <p:nvCxnSpPr>
+            <p:cNvPr id="186" name="직선 연결선 185"/>
+            <p:cNvCxnSpPr/>
+            <p:nvPr/>
+          </p:nvCxnSpPr>
+          <p:spPr>
+            <a:xfrm>
+              <a:off x="5434525" y="299754"/>
+              <a:ext cx="1075" cy="576546"/>
+            </a:xfrm>
+            <a:prstGeom prst="line">
+              <a:avLst/>
+            </a:prstGeom>
+            <a:ln w="12700">
+              <a:solidFill>
+                <a:schemeClr val="tx1"/>
+              </a:solidFill>
+            </a:ln>
+          </p:spPr>
+          <p:style>
+            <a:lnRef idx="1">
+              <a:schemeClr val="accent1"/>
+            </a:lnRef>
+            <a:fillRef idx="0">
+              <a:schemeClr val="accent1"/>
+            </a:fillRef>
+            <a:effectRef idx="0">
+              <a:schemeClr val="accent1"/>
+            </a:effectRef>
+            <a:fontRef idx="minor">
+              <a:schemeClr val="tx1"/>
+            </a:fontRef>
+          </p:style>
+        </p:cxnSp>
+        <p:cxnSp>
+          <p:nvCxnSpPr>
+            <p:cNvPr id="192" name="직선 연결선 191"/>
+            <p:cNvCxnSpPr/>
+            <p:nvPr/>
+          </p:nvCxnSpPr>
+          <p:spPr>
+            <a:xfrm>
+              <a:off x="6235036" y="299754"/>
+              <a:ext cx="664" cy="582896"/>
+            </a:xfrm>
+            <a:prstGeom prst="line">
+              <a:avLst/>
+            </a:prstGeom>
+            <a:ln w="12700">
+              <a:solidFill>
+                <a:schemeClr val="tx1"/>
+              </a:solidFill>
+            </a:ln>
+          </p:spPr>
+          <p:style>
+            <a:lnRef idx="1">
+              <a:schemeClr val="accent1"/>
+            </a:lnRef>
+            <a:fillRef idx="0">
+              <a:schemeClr val="accent1"/>
+            </a:fillRef>
+            <a:effectRef idx="0">
+              <a:schemeClr val="accent1"/>
+            </a:effectRef>
+            <a:fontRef idx="minor">
+              <a:schemeClr val="tx1"/>
+            </a:fontRef>
+          </p:style>
+        </p:cxnSp>
+        <p:cxnSp>
+          <p:nvCxnSpPr>
+            <p:cNvPr id="193" name="직선 연결선 192"/>
+            <p:cNvCxnSpPr/>
+            <p:nvPr/>
+          </p:nvCxnSpPr>
+          <p:spPr>
+            <a:xfrm>
+              <a:off x="7230534" y="299754"/>
+              <a:ext cx="0" cy="293417"/>
+            </a:xfrm>
+            <a:prstGeom prst="line">
+              <a:avLst/>
+            </a:prstGeom>
+            <a:ln w="12700">
+              <a:solidFill>
+                <a:schemeClr val="tx1"/>
+              </a:solidFill>
+            </a:ln>
+          </p:spPr>
+          <p:style>
+            <a:lnRef idx="1">
+              <a:schemeClr val="accent1"/>
+            </a:lnRef>
+            <a:fillRef idx="0">
+              <a:schemeClr val="accent1"/>
+            </a:fillRef>
+            <a:effectRef idx="0">
+              <a:schemeClr val="accent1"/>
+            </a:effectRef>
+            <a:fontRef idx="minor">
+              <a:schemeClr val="tx1"/>
+            </a:fontRef>
+          </p:style>
+        </p:cxnSp>
+        <p:cxnSp>
+          <p:nvCxnSpPr>
+            <p:cNvPr id="198" name="직선 연결선 197"/>
+            <p:cNvCxnSpPr/>
+            <p:nvPr/>
+          </p:nvCxnSpPr>
+          <p:spPr>
+            <a:xfrm>
+              <a:off x="8117214" y="299754"/>
+              <a:ext cx="0" cy="293417"/>
+            </a:xfrm>
+            <a:prstGeom prst="line">
+              <a:avLst/>
+            </a:prstGeom>
+            <a:ln w="12700">
+              <a:solidFill>
+                <a:schemeClr val="tx1"/>
+              </a:solidFill>
+            </a:ln>
+          </p:spPr>
+          <p:style>
+            <a:lnRef idx="1">
+              <a:schemeClr val="accent1"/>
+            </a:lnRef>
+            <a:fillRef idx="0">
+              <a:schemeClr val="accent1"/>
+            </a:fillRef>
+            <a:effectRef idx="0">
+              <a:schemeClr val="accent1"/>
+            </a:effectRef>
+            <a:fontRef idx="minor">
+              <a:schemeClr val="tx1"/>
+            </a:fontRef>
+          </p:style>
+        </p:cxnSp>
+        <p:cxnSp>
+          <p:nvCxnSpPr>
+            <p:cNvPr id="203" name="직선 연결선 202"/>
+            <p:cNvCxnSpPr/>
+            <p:nvPr/>
+          </p:nvCxnSpPr>
+          <p:spPr>
+            <a:xfrm>
+              <a:off x="2444934" y="299754"/>
+              <a:ext cx="0" cy="590414"/>
+            </a:xfrm>
+            <a:prstGeom prst="line">
+              <a:avLst/>
+            </a:prstGeom>
+            <a:ln w="12700">
+              <a:solidFill>
+                <a:schemeClr val="tx1"/>
+              </a:solidFill>
+            </a:ln>
+          </p:spPr>
+          <p:style>
+            <a:lnRef idx="1">
+              <a:schemeClr val="accent1"/>
+            </a:lnRef>
+            <a:fillRef idx="0">
+              <a:schemeClr val="accent1"/>
+            </a:fillRef>
+            <a:effectRef idx="0">
+              <a:schemeClr val="accent1"/>
+            </a:effectRef>
+            <a:fontRef idx="minor">
+              <a:schemeClr val="tx1"/>
+            </a:fontRef>
+          </p:style>
+        </p:cxnSp>
+        <p:cxnSp>
+          <p:nvCxnSpPr>
+            <p:cNvPr id="204" name="직선 연결선 203"/>
+            <p:cNvCxnSpPr/>
+            <p:nvPr/>
+          </p:nvCxnSpPr>
+          <p:spPr>
+            <a:xfrm flipH="1">
+              <a:off x="9505950" y="299754"/>
+              <a:ext cx="633" cy="576546"/>
+            </a:xfrm>
+            <a:prstGeom prst="line">
+              <a:avLst/>
+            </a:prstGeom>
+            <a:ln w="12700">
+              <a:solidFill>
+                <a:schemeClr val="tx1"/>
+              </a:solidFill>
+            </a:ln>
+          </p:spPr>
+          <p:style>
+            <a:lnRef idx="1">
+              <a:schemeClr val="accent1"/>
+            </a:lnRef>
+            <a:fillRef idx="0">
+              <a:schemeClr val="accent1"/>
+            </a:fillRef>
+            <a:effectRef idx="0">
+              <a:schemeClr val="accent1"/>
+            </a:effectRef>
+            <a:fontRef idx="minor">
+              <a:schemeClr val="tx1"/>
+            </a:fontRef>
+          </p:style>
+        </p:cxnSp>
+        <p:cxnSp>
+          <p:nvCxnSpPr>
+            <p:cNvPr id="209" name="직선 연결선 208"/>
+            <p:cNvCxnSpPr/>
+            <p:nvPr/>
+          </p:nvCxnSpPr>
+          <p:spPr>
+            <a:xfrm>
+              <a:off x="10306787" y="307840"/>
+              <a:ext cx="2172" cy="575135"/>
+            </a:xfrm>
+            <a:prstGeom prst="line">
+              <a:avLst/>
+            </a:prstGeom>
+            <a:ln w="12700">
+              <a:solidFill>
+                <a:schemeClr val="tx1"/>
+              </a:solidFill>
+            </a:ln>
+          </p:spPr>
+          <p:style>
+            <a:lnRef idx="1">
+              <a:schemeClr val="accent1"/>
+            </a:lnRef>
+            <a:fillRef idx="0">
+              <a:schemeClr val="accent1"/>
+            </a:fillRef>
+            <a:effectRef idx="0">
+              <a:schemeClr val="accent1"/>
+            </a:effectRef>
+            <a:fontRef idx="minor">
+              <a:schemeClr val="tx1"/>
+            </a:fontRef>
+          </p:style>
+        </p:cxnSp>
+      </p:grpSp>
       <p:grpSp>
         <p:nvGrpSpPr>
           <p:cNvPr id="220" name="그룹 219"/>
@@ -10126,9 +10141,9 @@
         <p:grpSpPr>
           <a:xfrm>
             <a:off x="6883362" y="3709633"/>
-            <a:ext cx="1377604" cy="774998"/>
+            <a:ext cx="1378780" cy="841536"/>
             <a:chOff x="6883362" y="3591095"/>
-            <a:chExt cx="1377604" cy="774998"/>
+            <a:chExt cx="1378780" cy="841536"/>
           </a:xfrm>
         </p:grpSpPr>
         <p:grpSp>
@@ -10140,9 +10155,9 @@
           <p:grpSpPr>
             <a:xfrm>
               <a:off x="6883362" y="3591095"/>
-              <a:ext cx="1377604" cy="774998"/>
+              <a:ext cx="1377604" cy="841536"/>
               <a:chOff x="6882563" y="3591095"/>
-              <a:chExt cx="841428" cy="774998"/>
+              <a:chExt cx="841428" cy="841536"/>
             </a:xfrm>
           </p:grpSpPr>
           <p:sp>
@@ -10200,7 +10215,7 @@
             <p:spPr>
               <a:xfrm>
                 <a:off x="6882563" y="3806895"/>
-                <a:ext cx="841180" cy="559198"/>
+                <a:ext cx="841180" cy="625736"/>
               </a:xfrm>
               <a:prstGeom prst="rect">
                 <a:avLst/>
@@ -10246,9 +10261,9 @@
           </p:nvGrpSpPr>
           <p:grpSpPr>
             <a:xfrm>
-              <a:off x="8045400" y="3595111"/>
+              <a:off x="8052543" y="3595111"/>
               <a:ext cx="209599" cy="209599"/>
-              <a:chOff x="8203166" y="3494076"/>
+              <a:chOff x="8210945" y="3494076"/>
               <a:chExt cx="228255" cy="228255"/>
             </a:xfrm>
           </p:grpSpPr>
@@ -10260,7 +10275,7 @@
             </p:nvSpPr>
             <p:spPr>
               <a:xfrm>
-                <a:off x="8203166" y="3494076"/>
+                <a:off x="8210945" y="3494076"/>
                 <a:ext cx="228255" cy="228255"/>
               </a:xfrm>
               <a:prstGeom prst="rect">
@@ -10355,9 +10370,9 @@
         <p:grpSpPr>
           <a:xfrm>
             <a:off x="6881312" y="3415888"/>
-            <a:ext cx="1379154" cy="217632"/>
+            <a:ext cx="1379154" cy="218677"/>
             <a:chOff x="6881312" y="3297350"/>
-            <a:chExt cx="1379154" cy="217632"/>
+            <a:chExt cx="1379154" cy="218677"/>
           </a:xfrm>
         </p:grpSpPr>
         <p:sp>
@@ -10414,10 +10429,10 @@
           </p:nvGrpSpPr>
           <p:grpSpPr>
             <a:xfrm>
-              <a:off x="8050867" y="3299288"/>
-              <a:ext cx="209599" cy="209599"/>
+              <a:off x="8050867" y="3299285"/>
+              <a:ext cx="209599" cy="216742"/>
               <a:chOff x="8218724" y="3494076"/>
-              <a:chExt cx="228255" cy="228255"/>
+              <a:chExt cx="228255" cy="236034"/>
             </a:xfrm>
           </p:grpSpPr>
           <p:sp>
@@ -10429,7 +10444,7 @@
             <p:spPr>
               <a:xfrm>
                 <a:off x="8218724" y="3494076"/>
-                <a:ext cx="228255" cy="228255"/>
+                <a:ext cx="228255" cy="236034"/>
               </a:xfrm>
               <a:prstGeom prst="rect">
                 <a:avLst/>
@@ -10859,7 +10874,7 @@
         <p:spPr>
           <a:xfrm>
             <a:off x="6893236" y="5100255"/>
-            <a:ext cx="811424" cy="538542"/>
+            <a:ext cx="811424" cy="629944"/>
           </a:xfrm>
           <a:prstGeom prst="rect">
             <a:avLst/>
@@ -11308,7 +11323,7 @@
         </p:nvGrpSpPr>
         <p:grpSpPr>
           <a:xfrm>
-            <a:off x="6980145" y="5669931"/>
+            <a:off x="6980145" y="5774706"/>
             <a:ext cx="549368" cy="215444"/>
             <a:chOff x="6980145" y="5669931"/>
             <a:chExt cx="549368" cy="215444"/>
@@ -11407,7 +11422,7 @@
         </p:nvGrpSpPr>
         <p:grpSpPr>
           <a:xfrm>
-            <a:off x="7468930" y="5669926"/>
+            <a:off x="7468930" y="5774701"/>
             <a:ext cx="519563" cy="215444"/>
             <a:chOff x="6980145" y="5669931"/>
             <a:chExt cx="549368" cy="190394"/>
@@ -11508,7 +11523,7 @@
         </p:nvGrpSpPr>
         <p:grpSpPr>
           <a:xfrm>
-            <a:off x="7974513" y="5675947"/>
+            <a:off x="7974513" y="5780722"/>
             <a:ext cx="519562" cy="215444"/>
             <a:chOff x="6980145" y="5669931"/>
             <a:chExt cx="549367" cy="190394"/>
@@ -11605,7 +11620,7 @@
         </p:nvGrpSpPr>
         <p:grpSpPr>
           <a:xfrm>
-            <a:off x="8465498" y="5667021"/>
+            <a:off x="8465498" y="5771796"/>
             <a:ext cx="519562" cy="215444"/>
             <a:chOff x="6980145" y="5669931"/>
             <a:chExt cx="549367" cy="190394"/>
@@ -11702,7 +11717,7 @@
         </p:nvGrpSpPr>
         <p:grpSpPr>
           <a:xfrm>
-            <a:off x="7470259" y="5912095"/>
+            <a:off x="7470259" y="6016870"/>
             <a:ext cx="545830" cy="215444"/>
             <a:chOff x="6980145" y="5902116"/>
             <a:chExt cx="545830" cy="215444"/>
@@ -11799,7 +11814,7 @@
         </p:nvGrpSpPr>
         <p:grpSpPr>
           <a:xfrm>
-            <a:off x="7972317" y="5897968"/>
+            <a:off x="7972317" y="6002743"/>
             <a:ext cx="545830" cy="215444"/>
             <a:chOff x="6980145" y="5902116"/>
             <a:chExt cx="545830" cy="215444"/>
@@ -11896,7 +11911,7 @@
         </p:nvGrpSpPr>
         <p:grpSpPr>
           <a:xfrm>
-            <a:off x="8467089" y="5912095"/>
+            <a:off x="8467089" y="6016870"/>
             <a:ext cx="545830" cy="215444"/>
             <a:chOff x="6980145" y="5902116"/>
             <a:chExt cx="545830" cy="215444"/>
@@ -11997,7 +12012,7 @@
         </p:nvGrpSpPr>
         <p:grpSpPr>
           <a:xfrm>
-            <a:off x="6980145" y="5902116"/>
+            <a:off x="6980145" y="6006891"/>
             <a:ext cx="545830" cy="215444"/>
             <a:chOff x="6980145" y="5902116"/>
             <a:chExt cx="545830" cy="215444"/>
@@ -12094,7 +12109,7 @@
         </p:nvGrpSpPr>
         <p:grpSpPr>
           <a:xfrm>
-            <a:off x="6964217" y="5915132"/>
+            <a:off x="6964217" y="6019907"/>
             <a:ext cx="138315" cy="95848"/>
             <a:chOff x="3803672" y="3767184"/>
             <a:chExt cx="364758" cy="252764"/>
@@ -12524,6 +12539,54 @@
       </p:sp>
       <p:sp>
         <p:nvSpPr>
+          <p:cNvPr id="302" name="직사각형 301"/>
+          <p:cNvSpPr/>
+          <p:nvPr/>
+        </p:nvSpPr>
+        <p:spPr>
+          <a:xfrm>
+            <a:off x="6893719" y="4132072"/>
+            <a:ext cx="1359696" cy="228986"/>
+          </a:xfrm>
+          <a:prstGeom prst="rect">
+            <a:avLst/>
+          </a:prstGeom>
+          <a:solidFill>
+            <a:schemeClr val="bg1">
+              <a:lumMod val="85000"/>
+            </a:schemeClr>
+          </a:solidFill>
+          <a:ln>
+            <a:noFill/>
+          </a:ln>
+        </p:spPr>
+        <p:style>
+          <a:lnRef idx="2">
+            <a:schemeClr val="accent1">
+              <a:shade val="50000"/>
+            </a:schemeClr>
+          </a:lnRef>
+          <a:fillRef idx="1">
+            <a:schemeClr val="accent1"/>
+          </a:fillRef>
+          <a:effectRef idx="0">
+            <a:schemeClr val="accent1"/>
+          </a:effectRef>
+          <a:fontRef idx="minor">
+            <a:schemeClr val="lt1"/>
+          </a:fontRef>
+        </p:style>
+        <p:txBody>
+          <a:bodyPr rtlCol="0" anchor="ctr"/>
+          <a:lstStyle/>
+          <a:p>
+            <a:pPr algn="ctr"/>
+            <a:endParaRPr lang="ko-KR" altLang="en-US"/>
+          </a:p>
+        </p:txBody>
+      </p:sp>
+      <p:sp>
+        <p:nvSpPr>
           <p:cNvPr id="469" name="TextBox 468"/>
           <p:cNvSpPr txBox="1"/>
           <p:nvPr/>
@@ -12561,8 +12624,56 @@
         </p:nvSpPr>
         <p:spPr>
           <a:xfrm>
-            <a:off x="6881634" y="2901833"/>
+            <a:off x="6881634" y="2885166"/>
             <a:ext cx="2339440" cy="228986"/>
+          </a:xfrm>
+          <a:prstGeom prst="rect">
+            <a:avLst/>
+          </a:prstGeom>
+          <a:solidFill>
+            <a:schemeClr val="bg1">
+              <a:lumMod val="85000"/>
+            </a:schemeClr>
+          </a:solidFill>
+          <a:ln>
+            <a:noFill/>
+          </a:ln>
+        </p:spPr>
+        <p:style>
+          <a:lnRef idx="2">
+            <a:schemeClr val="accent1">
+              <a:shade val="50000"/>
+            </a:schemeClr>
+          </a:lnRef>
+          <a:fillRef idx="1">
+            <a:schemeClr val="accent1"/>
+          </a:fillRef>
+          <a:effectRef idx="0">
+            <a:schemeClr val="accent1"/>
+          </a:effectRef>
+          <a:fontRef idx="minor">
+            <a:schemeClr val="lt1"/>
+          </a:fontRef>
+        </p:style>
+        <p:txBody>
+          <a:bodyPr rtlCol="0" anchor="ctr"/>
+          <a:lstStyle/>
+          <a:p>
+            <a:pPr algn="ctr"/>
+            <a:endParaRPr lang="ko-KR" altLang="en-US"/>
+          </a:p>
+        </p:txBody>
+      </p:sp>
+      <p:sp>
+        <p:nvSpPr>
+          <p:cNvPr id="318" name="직사각형 317"/>
+          <p:cNvSpPr/>
+          <p:nvPr/>
+        </p:nvSpPr>
+        <p:spPr>
+          <a:xfrm>
+            <a:off x="6900771" y="5308892"/>
+            <a:ext cx="798604" cy="228986"/>
           </a:xfrm>
           <a:prstGeom prst="rect">
             <a:avLst/>
@@ -12609,10 +12720,10 @@
         </p:nvGrpSpPr>
         <p:grpSpPr>
           <a:xfrm>
-            <a:off x="6880470" y="2404909"/>
-            <a:ext cx="2339524" cy="945625"/>
-            <a:chOff x="6880470" y="2235571"/>
-            <a:chExt cx="2339524" cy="945625"/>
+            <a:off x="6878274" y="2404909"/>
+            <a:ext cx="2341720" cy="3366813"/>
+            <a:chOff x="6878274" y="2235571"/>
+            <a:chExt cx="2341720" cy="3366813"/>
           </a:xfrm>
         </p:grpSpPr>
         <p:grpSp>
@@ -12623,10 +12734,10 @@
           </p:nvGrpSpPr>
           <p:grpSpPr>
             <a:xfrm>
-              <a:off x="6881312" y="2269620"/>
-              <a:ext cx="2338682" cy="911576"/>
-              <a:chOff x="6881312" y="2269620"/>
-              <a:chExt cx="2338682" cy="911576"/>
+              <a:off x="6881312" y="2270189"/>
+              <a:ext cx="2338682" cy="911007"/>
+              <a:chOff x="6881312" y="2270189"/>
+              <a:chExt cx="2338682" cy="911007"/>
             </a:xfrm>
           </p:grpSpPr>
           <p:grpSp>
@@ -12744,10 +12855,10 @@
             </p:nvGrpSpPr>
             <p:grpSpPr>
               <a:xfrm>
-                <a:off x="9010311" y="2269620"/>
-                <a:ext cx="209599" cy="209599"/>
-                <a:chOff x="8203166" y="3494076"/>
-                <a:chExt cx="228255" cy="228255"/>
+                <a:off x="9010311" y="2271999"/>
+                <a:ext cx="209599" cy="216136"/>
+                <a:chOff x="8203166" y="3496669"/>
+                <a:chExt cx="228255" cy="235374"/>
               </a:xfrm>
             </p:grpSpPr>
             <p:sp>
@@ -12758,8 +12869,8 @@
               </p:nvSpPr>
               <p:spPr>
                 <a:xfrm>
-                  <a:off x="8203166" y="3494076"/>
-                  <a:ext cx="228255" cy="228255"/>
+                  <a:off x="8203166" y="3496669"/>
+                  <a:ext cx="228255" cy="235374"/>
                 </a:xfrm>
                 <a:prstGeom prst="rect">
                   <a:avLst/>
@@ -13030,6 +13141,318 @@
             </a:p>
           </p:txBody>
         </p:sp>
+        <p:sp>
+          <p:nvSpPr>
+            <p:cNvPr id="296" name="TextBox 295"/>
+            <p:cNvSpPr txBox="1"/>
+            <p:nvPr/>
+          </p:nvSpPr>
+          <p:spPr>
+            <a:xfrm>
+              <a:off x="6878773" y="3735058"/>
+              <a:ext cx="898201" cy="276999"/>
+            </a:xfrm>
+            <a:prstGeom prst="rect">
+              <a:avLst/>
+            </a:prstGeom>
+            <a:noFill/>
+          </p:spPr>
+          <p:txBody>
+            <a:bodyPr wrap="square" rtlCol="0">
+              <a:spAutoFit/>
+            </a:bodyPr>
+            <a:lstStyle/>
+            <a:p>
+              <a:r>
+                <a:rPr lang="ko-KR" altLang="en-US" sz="1200" dirty="0" err="1" smtClean="0">
+                  <a:solidFill>
+                    <a:schemeClr val="bg1">
+                      <a:lumMod val="75000"/>
+                    </a:schemeClr>
+                  </a:solidFill>
+                </a:rPr>
+                <a:t>선택항목</a:t>
+              </a:r>
+              <a:r>
+                <a:rPr lang="en-US" altLang="ko-KR" sz="1200" dirty="0" smtClean="0">
+                  <a:solidFill>
+                    <a:schemeClr val="bg1">
+                      <a:lumMod val="75000"/>
+                    </a:schemeClr>
+                  </a:solidFill>
+                </a:rPr>
+                <a:t>1</a:t>
+              </a:r>
+              <a:endParaRPr lang="ko-KR" altLang="en-US" sz="1200" dirty="0">
+                <a:solidFill>
+                  <a:schemeClr val="bg1">
+                    <a:lumMod val="75000"/>
+                  </a:schemeClr>
+                </a:solidFill>
+              </a:endParaRPr>
+            </a:p>
+          </p:txBody>
+        </p:sp>
+        <p:sp>
+          <p:nvSpPr>
+            <p:cNvPr id="300" name="TextBox 299"/>
+            <p:cNvSpPr txBox="1"/>
+            <p:nvPr/>
+          </p:nvSpPr>
+          <p:spPr>
+            <a:xfrm>
+              <a:off x="6878274" y="4150698"/>
+              <a:ext cx="898201" cy="276999"/>
+            </a:xfrm>
+            <a:prstGeom prst="rect">
+              <a:avLst/>
+            </a:prstGeom>
+            <a:noFill/>
+          </p:spPr>
+          <p:txBody>
+            <a:bodyPr wrap="square" rtlCol="0">
+              <a:spAutoFit/>
+            </a:bodyPr>
+            <a:lstStyle/>
+            <a:p>
+              <a:r>
+                <a:rPr lang="ko-KR" altLang="en-US" sz="1200" dirty="0" err="1" smtClean="0">
+                  <a:solidFill>
+                    <a:schemeClr val="bg1">
+                      <a:lumMod val="75000"/>
+                    </a:schemeClr>
+                  </a:solidFill>
+                </a:rPr>
+                <a:t>선택항목</a:t>
+              </a:r>
+              <a:r>
+                <a:rPr lang="en-US" altLang="ko-KR" sz="1200" dirty="0">
+                  <a:solidFill>
+                    <a:schemeClr val="bg1">
+                      <a:lumMod val="75000"/>
+                    </a:schemeClr>
+                  </a:solidFill>
+                </a:rPr>
+                <a:t>3</a:t>
+              </a:r>
+              <a:endParaRPr lang="ko-KR" altLang="en-US" sz="1200" dirty="0">
+                <a:solidFill>
+                  <a:schemeClr val="bg1">
+                    <a:lumMod val="75000"/>
+                  </a:schemeClr>
+                </a:solidFill>
+              </a:endParaRPr>
+            </a:p>
+          </p:txBody>
+        </p:sp>
+        <p:sp>
+          <p:nvSpPr>
+            <p:cNvPr id="301" name="TextBox 300"/>
+            <p:cNvSpPr txBox="1"/>
+            <p:nvPr/>
+          </p:nvSpPr>
+          <p:spPr>
+            <a:xfrm>
+              <a:off x="6878274" y="3939339"/>
+              <a:ext cx="898201" cy="276999"/>
+            </a:xfrm>
+            <a:prstGeom prst="rect">
+              <a:avLst/>
+            </a:prstGeom>
+            <a:noFill/>
+          </p:spPr>
+          <p:txBody>
+            <a:bodyPr wrap="square" rtlCol="0">
+              <a:spAutoFit/>
+            </a:bodyPr>
+            <a:lstStyle/>
+            <a:p>
+              <a:r>
+                <a:rPr lang="ko-KR" altLang="en-US" sz="1200" dirty="0" err="1" smtClean="0">
+                  <a:solidFill>
+                    <a:schemeClr val="bg1">
+                      <a:lumMod val="75000"/>
+                    </a:schemeClr>
+                  </a:solidFill>
+                </a:rPr>
+                <a:t>선택항목</a:t>
+              </a:r>
+              <a:r>
+                <a:rPr lang="en-US" altLang="ko-KR" sz="1200" dirty="0" smtClean="0">
+                  <a:solidFill>
+                    <a:schemeClr val="bg1">
+                      <a:lumMod val="75000"/>
+                    </a:schemeClr>
+                  </a:solidFill>
+                </a:rPr>
+                <a:t>2</a:t>
+              </a:r>
+              <a:endParaRPr lang="ko-KR" altLang="en-US" sz="1200" dirty="0">
+                <a:solidFill>
+                  <a:schemeClr val="bg1">
+                    <a:lumMod val="75000"/>
+                  </a:schemeClr>
+                </a:solidFill>
+              </a:endParaRPr>
+            </a:p>
+          </p:txBody>
+        </p:sp>
+        <p:sp>
+          <p:nvSpPr>
+            <p:cNvPr id="312" name="TextBox 311"/>
+            <p:cNvSpPr txBox="1"/>
+            <p:nvPr/>
+          </p:nvSpPr>
+          <p:spPr>
+            <a:xfrm>
+              <a:off x="6881876" y="4909745"/>
+              <a:ext cx="587553" cy="276999"/>
+            </a:xfrm>
+            <a:prstGeom prst="rect">
+              <a:avLst/>
+            </a:prstGeom>
+            <a:noFill/>
+          </p:spPr>
+          <p:txBody>
+            <a:bodyPr wrap="square" rtlCol="0">
+              <a:spAutoFit/>
+            </a:bodyPr>
+            <a:lstStyle/>
+            <a:p>
+              <a:r>
+                <a:rPr lang="ko-KR" altLang="en-US" sz="1200" dirty="0" smtClean="0">
+                  <a:solidFill>
+                    <a:schemeClr val="bg1">
+                      <a:lumMod val="75000"/>
+                    </a:schemeClr>
+                  </a:solidFill>
+                </a:rPr>
+                <a:t>선택</a:t>
+              </a:r>
+              <a:r>
+                <a:rPr lang="en-US" altLang="ko-KR" sz="1200" dirty="0" smtClean="0">
+                  <a:solidFill>
+                    <a:schemeClr val="bg1">
+                      <a:lumMod val="75000"/>
+                    </a:schemeClr>
+                  </a:solidFill>
+                </a:rPr>
+                <a:t>1</a:t>
+              </a:r>
+              <a:endParaRPr lang="ko-KR" altLang="en-US" sz="1200" dirty="0">
+                <a:solidFill>
+                  <a:schemeClr val="bg1">
+                    <a:lumMod val="75000"/>
+                  </a:schemeClr>
+                </a:solidFill>
+              </a:endParaRPr>
+            </a:p>
+          </p:txBody>
+        </p:sp>
+        <p:sp>
+          <p:nvSpPr>
+            <p:cNvPr id="313" name="TextBox 312"/>
+            <p:cNvSpPr txBox="1"/>
+            <p:nvPr/>
+          </p:nvSpPr>
+          <p:spPr>
+            <a:xfrm>
+              <a:off x="6881377" y="5325385"/>
+              <a:ext cx="587553" cy="276999"/>
+            </a:xfrm>
+            <a:prstGeom prst="rect">
+              <a:avLst/>
+            </a:prstGeom>
+            <a:noFill/>
+          </p:spPr>
+          <p:txBody>
+            <a:bodyPr wrap="square" rtlCol="0">
+              <a:spAutoFit/>
+            </a:bodyPr>
+            <a:lstStyle/>
+            <a:p>
+              <a:r>
+                <a:rPr lang="ko-KR" altLang="en-US" sz="1200" dirty="0" smtClean="0">
+                  <a:solidFill>
+                    <a:schemeClr val="bg1">
+                      <a:lumMod val="75000"/>
+                    </a:schemeClr>
+                  </a:solidFill>
+                </a:rPr>
+                <a:t>선택</a:t>
+              </a:r>
+              <a:r>
+                <a:rPr lang="en-US" altLang="ko-KR" sz="1200" dirty="0" smtClean="0">
+                  <a:solidFill>
+                    <a:schemeClr val="bg1">
+                      <a:lumMod val="75000"/>
+                    </a:schemeClr>
+                  </a:solidFill>
+                </a:rPr>
+                <a:t>3</a:t>
+              </a:r>
+              <a:endParaRPr lang="ko-KR" altLang="en-US" sz="1200" dirty="0">
+                <a:solidFill>
+                  <a:schemeClr val="bg1">
+                    <a:lumMod val="75000"/>
+                  </a:schemeClr>
+                </a:solidFill>
+              </a:endParaRPr>
+            </a:p>
+          </p:txBody>
+        </p:sp>
+        <p:sp>
+          <p:nvSpPr>
+            <p:cNvPr id="314" name="TextBox 313"/>
+            <p:cNvSpPr txBox="1"/>
+            <p:nvPr/>
+          </p:nvSpPr>
+          <p:spPr>
+            <a:xfrm>
+              <a:off x="6881377" y="5114026"/>
+              <a:ext cx="587553" cy="276999"/>
+            </a:xfrm>
+            <a:prstGeom prst="rect">
+              <a:avLst/>
+            </a:prstGeom>
+            <a:noFill/>
+          </p:spPr>
+          <p:txBody>
+            <a:bodyPr wrap="square" rtlCol="0">
+              <a:spAutoFit/>
+            </a:bodyPr>
+            <a:lstStyle/>
+            <a:p>
+              <a:r>
+                <a:rPr lang="ko-KR" altLang="en-US" sz="1200" dirty="0" smtClean="0">
+                  <a:solidFill>
+                    <a:schemeClr val="bg1">
+                      <a:lumMod val="75000"/>
+                    </a:schemeClr>
+                  </a:solidFill>
+                </a:rPr>
+                <a:t>선택</a:t>
+              </a:r>
+              <a:r>
+                <a:rPr lang="en-US" altLang="ko-KR" sz="1200" dirty="0" smtClean="0">
+                  <a:solidFill>
+                    <a:schemeClr val="bg1">
+                      <a:lumMod val="75000"/>
+                    </a:schemeClr>
+                  </a:solidFill>
+                </a:rPr>
+                <a:t>2</a:t>
+              </a:r>
+              <a:endParaRPr lang="ko-KR" altLang="en-US" sz="1200" dirty="0">
+                <a:solidFill>
+                  <a:schemeClr val="bg1">
+                    <a:lumMod val="75000"/>
+                  </a:schemeClr>
+                </a:solidFill>
+              </a:endParaRPr>
+            </a:p>
+          </p:txBody>
+        </p:sp>
       </p:grpSp>
       <p:sp>
         <p:nvSpPr>
@@ -13039,8 +13462,8 @@
         </p:nvSpPr>
         <p:spPr>
           <a:xfrm>
-            <a:off x="7776475" y="5128531"/>
-            <a:ext cx="1489702" cy="132629"/>
+            <a:off x="7790760" y="5128531"/>
+            <a:ext cx="1463485" cy="180361"/>
           </a:xfrm>
           <a:custGeom>
             <a:avLst/>
@@ -13129,6 +13552,34 @@
               <a:gd name="connsiteY5" fmla="*/ 10451 h 21600"/>
               <a:gd name="connsiteX6" fmla="*/ 2214 w 18979"/>
               <a:gd name="connsiteY6" fmla="*/ 0 h 21600"/>
+              <a:gd name="connsiteX0" fmla="*/ 2032 w 18797"/>
+              <a:gd name="connsiteY0" fmla="*/ 0 h 21600"/>
+              <a:gd name="connsiteX1" fmla="*/ 16682 w 18797"/>
+              <a:gd name="connsiteY1" fmla="*/ 0 h 21600"/>
+              <a:gd name="connsiteX2" fmla="*/ 18797 w 18797"/>
+              <a:gd name="connsiteY2" fmla="*/ 10451 h 21600"/>
+              <a:gd name="connsiteX3" fmla="*/ 16682 w 18797"/>
+              <a:gd name="connsiteY3" fmla="*/ 21600 h 21600"/>
+              <a:gd name="connsiteX4" fmla="*/ 2032 w 18797"/>
+              <a:gd name="connsiteY4" fmla="*/ 21600 h 21600"/>
+              <a:gd name="connsiteX5" fmla="*/ 0 w 18797"/>
+              <a:gd name="connsiteY5" fmla="*/ 10451 h 21600"/>
+              <a:gd name="connsiteX6" fmla="*/ 2032 w 18797"/>
+              <a:gd name="connsiteY6" fmla="*/ 0 h 21600"/>
+              <a:gd name="connsiteX0" fmla="*/ 2032 w 18645"/>
+              <a:gd name="connsiteY0" fmla="*/ 0 h 21600"/>
+              <a:gd name="connsiteX1" fmla="*/ 16682 w 18645"/>
+              <a:gd name="connsiteY1" fmla="*/ 0 h 21600"/>
+              <a:gd name="connsiteX2" fmla="*/ 18645 w 18645"/>
+              <a:gd name="connsiteY2" fmla="*/ 10451 h 21600"/>
+              <a:gd name="connsiteX3" fmla="*/ 16682 w 18645"/>
+              <a:gd name="connsiteY3" fmla="*/ 21600 h 21600"/>
+              <a:gd name="connsiteX4" fmla="*/ 2032 w 18645"/>
+              <a:gd name="connsiteY4" fmla="*/ 21600 h 21600"/>
+              <a:gd name="connsiteX5" fmla="*/ 0 w 18645"/>
+              <a:gd name="connsiteY5" fmla="*/ 10451 h 21600"/>
+              <a:gd name="connsiteX6" fmla="*/ 2032 w 18645"/>
+              <a:gd name="connsiteY6" fmla="*/ 0 h 21600"/>
             </a:gdLst>
             <a:ahLst/>
             <a:cxnLst>
@@ -13156,35 +13607,35 @@
             </a:cxnLst>
             <a:rect l="l" t="t" r="r" b="b"/>
             <a:pathLst>
-              <a:path w="18979" h="21600">
+              <a:path w="18645" h="21600">
                 <a:moveTo>
-                  <a:pt x="2214" y="0"/>
+                  <a:pt x="2032" y="0"/>
                 </a:moveTo>
                 <a:lnTo>
-                  <a:pt x="16864" y="0"/>
+                  <a:pt x="16682" y="0"/>
                 </a:lnTo>
                 <a:cubicBezTo>
-                  <a:pt x="18783" y="0"/>
-                  <a:pt x="18979" y="4486"/>
-                  <a:pt x="18979" y="10451"/>
+                  <a:pt x="18601" y="0"/>
+                  <a:pt x="18645" y="4486"/>
+                  <a:pt x="18645" y="10451"/>
                 </a:cubicBezTo>
                 <a:cubicBezTo>
-                  <a:pt x="18979" y="16416"/>
-                  <a:pt x="18783" y="21600"/>
-                  <a:pt x="16864" y="21600"/>
+                  <a:pt x="18645" y="16416"/>
+                  <a:pt x="18601" y="21600"/>
+                  <a:pt x="16682" y="21600"/>
                 </a:cubicBezTo>
                 <a:lnTo>
-                  <a:pt x="2214" y="21600"/>
+                  <a:pt x="2032" y="21600"/>
                 </a:lnTo>
                 <a:cubicBezTo>
-                  <a:pt x="295" y="21600"/>
+                  <a:pt x="113" y="21600"/>
                   <a:pt x="0" y="16416"/>
                   <a:pt x="0" y="10451"/>
                 </a:cubicBezTo>
                 <a:cubicBezTo>
                   <a:pt x="0" y="4486"/>
-                  <a:pt x="295" y="0"/>
-                  <a:pt x="2214" y="0"/>
+                  <a:pt x="113" y="0"/>
+                  <a:pt x="2032" y="0"/>
                 </a:cubicBezTo>
                 <a:close/>
               </a:path>
@@ -13232,8 +13683,8 @@
         </p:nvGrpSpPr>
         <p:grpSpPr>
           <a:xfrm>
-            <a:off x="7830497" y="5156001"/>
-            <a:ext cx="89832" cy="89318"/>
+            <a:off x="7853943" y="5156001"/>
+            <a:ext cx="140226" cy="139424"/>
             <a:chOff x="7814444" y="5016199"/>
             <a:chExt cx="89832" cy="89318"/>
           </a:xfrm>
@@ -13334,7 +13785,7 @@
         </p:nvGrpSpPr>
         <p:grpSpPr>
           <a:xfrm>
-            <a:off x="6884197" y="2168041"/>
+            <a:off x="6879435" y="2168041"/>
             <a:ext cx="2338682" cy="276999"/>
             <a:chOff x="6881312" y="1592203"/>
             <a:chExt cx="2338682" cy="276999"/>
@@ -13417,6 +13868,126 @@
           </p:txBody>
         </p:sp>
       </p:grpSp>
+      <p:sp>
+        <p:nvSpPr>
+          <p:cNvPr id="293" name="TextBox 292"/>
+          <p:cNvSpPr txBox="1"/>
+          <p:nvPr/>
+        </p:nvSpPr>
+        <p:spPr>
+          <a:xfrm>
+            <a:off x="6887770" y="3397063"/>
+            <a:ext cx="971533" cy="276999"/>
+          </a:xfrm>
+          <a:prstGeom prst="rect">
+            <a:avLst/>
+          </a:prstGeom>
+          <a:noFill/>
+        </p:spPr>
+        <p:txBody>
+          <a:bodyPr wrap="square" rtlCol="0">
+            <a:spAutoFit/>
+          </a:bodyPr>
+          <a:lstStyle/>
+          <a:p>
+            <a:r>
+              <a:rPr lang="ko-KR" altLang="en-US" sz="1200" dirty="0" err="1" smtClean="0"/>
+              <a:t>선택항목</a:t>
+            </a:r>
+            <a:endParaRPr lang="ko-KR" altLang="en-US" sz="1200" dirty="0"/>
+          </a:p>
+        </p:txBody>
+      </p:sp>
+      <p:sp>
+        <p:nvSpPr>
+          <p:cNvPr id="294" name="TextBox 293"/>
+          <p:cNvSpPr txBox="1"/>
+          <p:nvPr/>
+        </p:nvSpPr>
+        <p:spPr>
+          <a:xfrm>
+            <a:off x="6885474" y="3688475"/>
+            <a:ext cx="971533" cy="276999"/>
+          </a:xfrm>
+          <a:prstGeom prst="rect">
+            <a:avLst/>
+          </a:prstGeom>
+          <a:noFill/>
+        </p:spPr>
+        <p:txBody>
+          <a:bodyPr wrap="square" rtlCol="0">
+            <a:spAutoFit/>
+          </a:bodyPr>
+          <a:lstStyle/>
+          <a:p>
+            <a:r>
+              <a:rPr lang="ko-KR" altLang="en-US" sz="1200" dirty="0" err="1" smtClean="0"/>
+              <a:t>선택항목</a:t>
+            </a:r>
+            <a:endParaRPr lang="ko-KR" altLang="en-US" sz="1200" dirty="0"/>
+          </a:p>
+        </p:txBody>
+      </p:sp>
+      <p:sp>
+        <p:nvSpPr>
+          <p:cNvPr id="310" name="TextBox 309"/>
+          <p:cNvSpPr txBox="1"/>
+          <p:nvPr/>
+        </p:nvSpPr>
+        <p:spPr>
+          <a:xfrm>
+            <a:off x="6885642" y="4558150"/>
+            <a:ext cx="597748" cy="276999"/>
+          </a:xfrm>
+          <a:prstGeom prst="rect">
+            <a:avLst/>
+          </a:prstGeom>
+          <a:noFill/>
+        </p:spPr>
+        <p:txBody>
+          <a:bodyPr wrap="square" rtlCol="0">
+            <a:spAutoFit/>
+          </a:bodyPr>
+          <a:lstStyle/>
+          <a:p>
+            <a:r>
+              <a:rPr lang="ko-KR" altLang="en-US" sz="1200" dirty="0" smtClean="0"/>
+              <a:t>선택</a:t>
+            </a:r>
+            <a:endParaRPr lang="ko-KR" altLang="en-US" sz="1200" dirty="0"/>
+          </a:p>
+        </p:txBody>
+      </p:sp>
+      <p:sp>
+        <p:nvSpPr>
+          <p:cNvPr id="311" name="TextBox 310"/>
+          <p:cNvSpPr txBox="1"/>
+          <p:nvPr/>
+        </p:nvSpPr>
+        <p:spPr>
+          <a:xfrm>
+            <a:off x="6887803" y="4853212"/>
+            <a:ext cx="597748" cy="276999"/>
+          </a:xfrm>
+          <a:prstGeom prst="rect">
+            <a:avLst/>
+          </a:prstGeom>
+          <a:noFill/>
+        </p:spPr>
+        <p:txBody>
+          <a:bodyPr wrap="square" rtlCol="0">
+            <a:spAutoFit/>
+          </a:bodyPr>
+          <a:lstStyle/>
+          <a:p>
+            <a:r>
+              <a:rPr lang="ko-KR" altLang="en-US" sz="1200" dirty="0" smtClean="0"/>
+              <a:t>선택</a:t>
+            </a:r>
+            <a:endParaRPr lang="ko-KR" altLang="en-US" sz="1200" dirty="0"/>
+          </a:p>
+        </p:txBody>
+      </p:sp>
     </p:spTree>
     <p:extLst>
       <p:ext uri="{BB962C8B-B14F-4D97-AF65-F5344CB8AC3E}">
